--- a/example-data/editable_diagrams.pptx
+++ b/example-data/editable_diagrams.pptx
@@ -104,6 +104,11 @@
       </a:defRPr>
     </a:lvl9pPr>
   </p:defaultTextStyle>
+  <p:extLst>
+    <p:ext uri="{EFAFB233-063F-42B5-8137-9DF3F51BA10A}">
+      <p15:sldGuideLst xmlns:p15="http://schemas.microsoft.com/office/powerpoint/2012/main"/>
+    </p:ext>
+  </p:extLst>
 </p:presentation>
 </file>
 

--- a/example-data/editable_diagrams.pptx
+++ b/example-data/editable_diagrams.pptx
@@ -6,6 +6,7 @@
   </p:sldMasterIdLst>
   <p:sldIdLst>
     <p:sldId id="256" r:id="rId2"/>
+    <p:sldId id="257" r:id="rId3"/>
   </p:sldIdLst>
   <p:sldSz cx="12192000" cy="6858000"/>
   <p:notesSz cx="6858000" cy="9144000"/>
@@ -110,6 +111,3391 @@
     </p:ext>
   </p:extLst>
 </p:presentation>
+</file>
+
+<file path=ppt/diagrams/colors1.xml><?xml version="1.0" encoding="utf-8"?>
+<dgm:colorsDef xmlns:dgm="http://schemas.openxmlformats.org/drawingml/2006/diagram" xmlns:a="http://schemas.openxmlformats.org/drawingml/2006/main" uniqueId="urn:microsoft.com/office/officeart/2005/8/colors/colorful5">
+  <dgm:title val=""/>
+  <dgm:desc val=""/>
+  <dgm:catLst>
+    <dgm:cat type="colorful" pri="10500"/>
+  </dgm:catLst>
+  <dgm:styleLbl name="node0">
+    <dgm:fillClrLst meth="repeat">
+      <a:schemeClr val="accent4"/>
+    </dgm:fillClrLst>
+    <dgm:linClrLst meth="repeat">
+      <a:schemeClr val="lt1"/>
+    </dgm:linClrLst>
+    <dgm:effectClrLst/>
+    <dgm:txLinClrLst/>
+    <dgm:txFillClrLst/>
+    <dgm:txEffectClrLst/>
+  </dgm:styleLbl>
+  <dgm:styleLbl name="node1">
+    <dgm:fillClrLst>
+      <a:schemeClr val="accent5"/>
+      <a:schemeClr val="accent6"/>
+    </dgm:fillClrLst>
+    <dgm:linClrLst meth="repeat">
+      <a:schemeClr val="lt1"/>
+    </dgm:linClrLst>
+    <dgm:effectClrLst/>
+    <dgm:txLinClrLst/>
+    <dgm:txFillClrLst/>
+    <dgm:txEffectClrLst/>
+  </dgm:styleLbl>
+  <dgm:styleLbl name="alignNode1">
+    <dgm:fillClrLst>
+      <a:schemeClr val="accent5"/>
+      <a:schemeClr val="accent6"/>
+    </dgm:fillClrLst>
+    <dgm:linClrLst>
+      <a:schemeClr val="accent5"/>
+      <a:schemeClr val="accent6"/>
+    </dgm:linClrLst>
+    <dgm:effectClrLst/>
+    <dgm:txLinClrLst/>
+    <dgm:txFillClrLst/>
+    <dgm:txEffectClrLst/>
+  </dgm:styleLbl>
+  <dgm:styleLbl name="lnNode1">
+    <dgm:fillClrLst>
+      <a:schemeClr val="accent5"/>
+      <a:schemeClr val="accent6"/>
+    </dgm:fillClrLst>
+    <dgm:linClrLst meth="repeat">
+      <a:schemeClr val="lt1"/>
+    </dgm:linClrLst>
+    <dgm:effectClrLst/>
+    <dgm:txLinClrLst/>
+    <dgm:txFillClrLst/>
+    <dgm:txEffectClrLst/>
+  </dgm:styleLbl>
+  <dgm:styleLbl name="vennNode1">
+    <dgm:fillClrLst>
+      <a:schemeClr val="accent5">
+        <a:alpha val="50000"/>
+      </a:schemeClr>
+      <a:schemeClr val="accent6">
+        <a:alpha val="50000"/>
+      </a:schemeClr>
+    </dgm:fillClrLst>
+    <dgm:linClrLst meth="repeat">
+      <a:schemeClr val="lt1"/>
+    </dgm:linClrLst>
+    <dgm:effectClrLst/>
+    <dgm:txLinClrLst/>
+    <dgm:txFillClrLst/>
+    <dgm:txEffectClrLst/>
+  </dgm:styleLbl>
+  <dgm:styleLbl name="node2">
+    <dgm:fillClrLst>
+      <a:schemeClr val="accent6"/>
+    </dgm:fillClrLst>
+    <dgm:linClrLst meth="repeat">
+      <a:schemeClr val="lt1"/>
+    </dgm:linClrLst>
+    <dgm:effectClrLst/>
+    <dgm:txLinClrLst/>
+    <dgm:txFillClrLst/>
+    <dgm:txEffectClrLst/>
+  </dgm:styleLbl>
+  <dgm:styleLbl name="node3">
+    <dgm:fillClrLst>
+      <a:schemeClr val="accent1"/>
+    </dgm:fillClrLst>
+    <dgm:linClrLst meth="repeat">
+      <a:schemeClr val="lt1"/>
+    </dgm:linClrLst>
+    <dgm:effectClrLst/>
+    <dgm:txLinClrLst/>
+    <dgm:txFillClrLst/>
+    <dgm:txEffectClrLst/>
+  </dgm:styleLbl>
+  <dgm:styleLbl name="node4">
+    <dgm:fillClrLst>
+      <a:schemeClr val="accent2"/>
+    </dgm:fillClrLst>
+    <dgm:linClrLst meth="repeat">
+      <a:schemeClr val="lt1"/>
+    </dgm:linClrLst>
+    <dgm:effectClrLst/>
+    <dgm:txLinClrLst/>
+    <dgm:txFillClrLst/>
+    <dgm:txEffectClrLst/>
+  </dgm:styleLbl>
+  <dgm:styleLbl name="fgImgPlace1">
+    <dgm:fillClrLst>
+      <a:schemeClr val="accent5">
+        <a:tint val="50000"/>
+      </a:schemeClr>
+      <a:schemeClr val="accent6">
+        <a:tint val="50000"/>
+      </a:schemeClr>
+    </dgm:fillClrLst>
+    <dgm:linClrLst meth="repeat">
+      <a:schemeClr val="lt1"/>
+    </dgm:linClrLst>
+    <dgm:effectClrLst/>
+    <dgm:txLinClrLst/>
+    <dgm:txFillClrLst meth="repeat">
+      <a:schemeClr val="lt1"/>
+    </dgm:txFillClrLst>
+    <dgm:txEffectClrLst/>
+  </dgm:styleLbl>
+  <dgm:styleLbl name="alignImgPlace1">
+    <dgm:fillClrLst>
+      <a:schemeClr val="accent5">
+        <a:tint val="50000"/>
+      </a:schemeClr>
+      <a:schemeClr val="accent6">
+        <a:tint val="20000"/>
+      </a:schemeClr>
+    </dgm:fillClrLst>
+    <dgm:linClrLst meth="repeat">
+      <a:schemeClr val="lt1"/>
+    </dgm:linClrLst>
+    <dgm:effectClrLst/>
+    <dgm:txLinClrLst/>
+    <dgm:txFillClrLst meth="repeat">
+      <a:schemeClr val="lt1"/>
+    </dgm:txFillClrLst>
+    <dgm:txEffectClrLst/>
+  </dgm:styleLbl>
+  <dgm:styleLbl name="bgImgPlace1">
+    <dgm:fillClrLst>
+      <a:schemeClr val="accent5">
+        <a:tint val="50000"/>
+      </a:schemeClr>
+      <a:schemeClr val="accent6">
+        <a:tint val="20000"/>
+      </a:schemeClr>
+    </dgm:fillClrLst>
+    <dgm:linClrLst meth="repeat">
+      <a:schemeClr val="lt1"/>
+    </dgm:linClrLst>
+    <dgm:effectClrLst/>
+    <dgm:txLinClrLst/>
+    <dgm:txFillClrLst meth="repeat">
+      <a:schemeClr val="lt1"/>
+    </dgm:txFillClrLst>
+    <dgm:txEffectClrLst/>
+  </dgm:styleLbl>
+  <dgm:styleLbl name="sibTrans2D1">
+    <dgm:fillClrLst>
+      <a:schemeClr val="accent5"/>
+      <a:schemeClr val="accent6"/>
+    </dgm:fillClrLst>
+    <dgm:linClrLst meth="repeat">
+      <a:schemeClr val="lt1"/>
+    </dgm:linClrLst>
+    <dgm:effectClrLst/>
+    <dgm:txLinClrLst/>
+    <dgm:txFillClrLst/>
+    <dgm:txEffectClrLst/>
+  </dgm:styleLbl>
+  <dgm:styleLbl name="fgSibTrans2D1">
+    <dgm:fillClrLst>
+      <a:schemeClr val="accent5"/>
+      <a:schemeClr val="accent6"/>
+    </dgm:fillClrLst>
+    <dgm:linClrLst meth="repeat">
+      <a:schemeClr val="lt1"/>
+    </dgm:linClrLst>
+    <dgm:effectClrLst/>
+    <dgm:txLinClrLst/>
+    <dgm:txFillClrLst meth="repeat">
+      <a:schemeClr val="lt1"/>
+    </dgm:txFillClrLst>
+    <dgm:txEffectClrLst/>
+  </dgm:styleLbl>
+  <dgm:styleLbl name="bgSibTrans2D1">
+    <dgm:fillClrLst>
+      <a:schemeClr val="accent5"/>
+      <a:schemeClr val="accent6"/>
+    </dgm:fillClrLst>
+    <dgm:linClrLst meth="repeat">
+      <a:schemeClr val="lt1"/>
+    </dgm:linClrLst>
+    <dgm:effectClrLst/>
+    <dgm:txLinClrLst/>
+    <dgm:txFillClrLst meth="repeat">
+      <a:schemeClr val="lt1"/>
+    </dgm:txFillClrLst>
+    <dgm:txEffectClrLst/>
+  </dgm:styleLbl>
+  <dgm:styleLbl name="sibTrans1D1">
+    <dgm:fillClrLst/>
+    <dgm:linClrLst>
+      <a:schemeClr val="accent5"/>
+      <a:schemeClr val="accent6"/>
+    </dgm:linClrLst>
+    <dgm:effectClrLst/>
+    <dgm:txLinClrLst/>
+    <dgm:txFillClrLst meth="repeat">
+      <a:schemeClr val="tx1"/>
+    </dgm:txFillClrLst>
+    <dgm:txEffectClrLst/>
+  </dgm:styleLbl>
+  <dgm:styleLbl name="callout">
+    <dgm:fillClrLst meth="repeat">
+      <a:schemeClr val="accent5"/>
+    </dgm:fillClrLst>
+    <dgm:linClrLst meth="repeat">
+      <a:schemeClr val="accent5">
+        <a:tint val="50000"/>
+      </a:schemeClr>
+    </dgm:linClrLst>
+    <dgm:effectClrLst/>
+    <dgm:txLinClrLst/>
+    <dgm:txFillClrLst meth="repeat">
+      <a:schemeClr val="tx1"/>
+    </dgm:txFillClrLst>
+    <dgm:txEffectClrLst/>
+  </dgm:styleLbl>
+  <dgm:styleLbl name="asst0">
+    <dgm:fillClrLst meth="repeat">
+      <a:schemeClr val="accent5"/>
+    </dgm:fillClrLst>
+    <dgm:linClrLst meth="repeat">
+      <a:schemeClr val="lt1">
+        <a:shade val="80000"/>
+      </a:schemeClr>
+    </dgm:linClrLst>
+    <dgm:effectClrLst/>
+    <dgm:txLinClrLst/>
+    <dgm:txFillClrLst/>
+    <dgm:txEffectClrLst/>
+  </dgm:styleLbl>
+  <dgm:styleLbl name="asst1">
+    <dgm:fillClrLst meth="repeat">
+      <a:schemeClr val="accent6"/>
+    </dgm:fillClrLst>
+    <dgm:linClrLst meth="repeat">
+      <a:schemeClr val="lt1">
+        <a:shade val="80000"/>
+      </a:schemeClr>
+    </dgm:linClrLst>
+    <dgm:effectClrLst/>
+    <dgm:txLinClrLst/>
+    <dgm:txFillClrLst/>
+    <dgm:txEffectClrLst/>
+  </dgm:styleLbl>
+  <dgm:styleLbl name="asst2">
+    <dgm:fillClrLst>
+      <a:schemeClr val="accent1"/>
+    </dgm:fillClrLst>
+    <dgm:linClrLst meth="repeat">
+      <a:schemeClr val="lt1"/>
+    </dgm:linClrLst>
+    <dgm:effectClrLst/>
+    <dgm:txLinClrLst/>
+    <dgm:txFillClrLst/>
+    <dgm:txEffectClrLst/>
+  </dgm:styleLbl>
+  <dgm:styleLbl name="asst3">
+    <dgm:fillClrLst>
+      <a:schemeClr val="accent2"/>
+    </dgm:fillClrLst>
+    <dgm:linClrLst meth="repeat">
+      <a:schemeClr val="lt1"/>
+    </dgm:linClrLst>
+    <dgm:effectClrLst/>
+    <dgm:txLinClrLst/>
+    <dgm:txFillClrLst/>
+    <dgm:txEffectClrLst/>
+  </dgm:styleLbl>
+  <dgm:styleLbl name="asst4">
+    <dgm:fillClrLst>
+      <a:schemeClr val="accent3"/>
+    </dgm:fillClrLst>
+    <dgm:linClrLst meth="repeat">
+      <a:schemeClr val="lt1"/>
+    </dgm:linClrLst>
+    <dgm:effectClrLst/>
+    <dgm:txLinClrLst/>
+    <dgm:txFillClrLst/>
+    <dgm:txEffectClrLst/>
+  </dgm:styleLbl>
+  <dgm:styleLbl name="parChTrans2D1">
+    <dgm:fillClrLst meth="repeat">
+      <a:schemeClr val="accent5"/>
+    </dgm:fillClrLst>
+    <dgm:linClrLst meth="repeat">
+      <a:schemeClr val="lt1"/>
+    </dgm:linClrLst>
+    <dgm:effectClrLst/>
+    <dgm:txLinClrLst/>
+    <dgm:txFillClrLst meth="repeat">
+      <a:schemeClr val="lt1"/>
+    </dgm:txFillClrLst>
+    <dgm:txEffectClrLst/>
+  </dgm:styleLbl>
+  <dgm:styleLbl name="parChTrans2D2">
+    <dgm:fillClrLst meth="repeat">
+      <a:schemeClr val="accent6"/>
+    </dgm:fillClrLst>
+    <dgm:linClrLst meth="repeat">
+      <a:schemeClr val="lt1"/>
+    </dgm:linClrLst>
+    <dgm:effectClrLst/>
+    <dgm:txLinClrLst/>
+    <dgm:txFillClrLst/>
+    <dgm:txEffectClrLst/>
+  </dgm:styleLbl>
+  <dgm:styleLbl name="parChTrans2D3">
+    <dgm:fillClrLst meth="repeat">
+      <a:schemeClr val="accent6"/>
+    </dgm:fillClrLst>
+    <dgm:linClrLst meth="repeat">
+      <a:schemeClr val="lt1"/>
+    </dgm:linClrLst>
+    <dgm:effectClrLst/>
+    <dgm:txLinClrLst/>
+    <dgm:txFillClrLst/>
+    <dgm:txEffectClrLst/>
+  </dgm:styleLbl>
+  <dgm:styleLbl name="parChTrans2D4">
+    <dgm:fillClrLst meth="repeat">
+      <a:schemeClr val="accent1"/>
+    </dgm:fillClrLst>
+    <dgm:linClrLst meth="repeat">
+      <a:schemeClr val="lt1"/>
+    </dgm:linClrLst>
+    <dgm:effectClrLst/>
+    <dgm:txLinClrLst/>
+    <dgm:txFillClrLst meth="repeat">
+      <a:schemeClr val="lt1"/>
+    </dgm:txFillClrLst>
+    <dgm:txEffectClrLst/>
+  </dgm:styleLbl>
+  <dgm:styleLbl name="parChTrans1D1">
+    <dgm:fillClrLst meth="repeat">
+      <a:schemeClr val="accent5"/>
+    </dgm:fillClrLst>
+    <dgm:linClrLst meth="repeat">
+      <a:schemeClr val="accent5"/>
+    </dgm:linClrLst>
+    <dgm:effectClrLst/>
+    <dgm:txLinClrLst/>
+    <dgm:txFillClrLst meth="repeat">
+      <a:schemeClr val="tx1"/>
+    </dgm:txFillClrLst>
+    <dgm:txEffectClrLst/>
+  </dgm:styleLbl>
+  <dgm:styleLbl name="parChTrans1D2">
+    <dgm:fillClrLst meth="repeat">
+      <a:schemeClr val="accent6">
+        <a:tint val="90000"/>
+      </a:schemeClr>
+    </dgm:fillClrLst>
+    <dgm:linClrLst meth="repeat">
+      <a:schemeClr val="accent6"/>
+    </dgm:linClrLst>
+    <dgm:effectClrLst/>
+    <dgm:txLinClrLst/>
+    <dgm:txFillClrLst meth="repeat">
+      <a:schemeClr val="tx1"/>
+    </dgm:txFillClrLst>
+    <dgm:txEffectClrLst/>
+  </dgm:styleLbl>
+  <dgm:styleLbl name="parChTrans1D3">
+    <dgm:fillClrLst meth="repeat">
+      <a:schemeClr val="accent6">
+        <a:tint val="70000"/>
+      </a:schemeClr>
+    </dgm:fillClrLst>
+    <dgm:linClrLst meth="repeat">
+      <a:schemeClr val="accent1"/>
+    </dgm:linClrLst>
+    <dgm:effectClrLst/>
+    <dgm:txLinClrLst/>
+    <dgm:txFillClrLst meth="repeat">
+      <a:schemeClr val="tx1"/>
+    </dgm:txFillClrLst>
+    <dgm:txEffectClrLst/>
+  </dgm:styleLbl>
+  <dgm:styleLbl name="parChTrans1D4">
+    <dgm:fillClrLst meth="repeat">
+      <a:schemeClr val="accent6">
+        <a:tint val="50000"/>
+      </a:schemeClr>
+    </dgm:fillClrLst>
+    <dgm:linClrLst meth="repeat">
+      <a:schemeClr val="accent2"/>
+    </dgm:linClrLst>
+    <dgm:effectClrLst/>
+    <dgm:txLinClrLst/>
+    <dgm:txFillClrLst meth="repeat">
+      <a:schemeClr val="tx1"/>
+    </dgm:txFillClrLst>
+    <dgm:txEffectClrLst/>
+  </dgm:styleLbl>
+  <dgm:styleLbl name="fgAcc1">
+    <dgm:fillClrLst meth="repeat">
+      <a:schemeClr val="lt1">
+        <a:alpha val="90000"/>
+      </a:schemeClr>
+    </dgm:fillClrLst>
+    <dgm:linClrLst>
+      <a:schemeClr val="accent5"/>
+      <a:schemeClr val="accent6"/>
+    </dgm:linClrLst>
+    <dgm:effectClrLst/>
+    <dgm:txLinClrLst/>
+    <dgm:txFillClrLst meth="repeat">
+      <a:schemeClr val="dk1"/>
+    </dgm:txFillClrLst>
+    <dgm:txEffectClrLst/>
+  </dgm:styleLbl>
+  <dgm:styleLbl name="conFgAcc1">
+    <dgm:fillClrLst meth="repeat">
+      <a:schemeClr val="lt1">
+        <a:alpha val="90000"/>
+      </a:schemeClr>
+    </dgm:fillClrLst>
+    <dgm:linClrLst>
+      <a:schemeClr val="accent5"/>
+      <a:schemeClr val="accent6"/>
+    </dgm:linClrLst>
+    <dgm:effectClrLst/>
+    <dgm:txLinClrLst/>
+    <dgm:txFillClrLst meth="repeat">
+      <a:schemeClr val="dk1"/>
+    </dgm:txFillClrLst>
+    <dgm:txEffectClrLst/>
+  </dgm:styleLbl>
+  <dgm:styleLbl name="alignAcc1">
+    <dgm:fillClrLst meth="repeat">
+      <a:schemeClr val="lt1">
+        <a:alpha val="90000"/>
+      </a:schemeClr>
+    </dgm:fillClrLst>
+    <dgm:linClrLst>
+      <a:schemeClr val="accent5"/>
+      <a:schemeClr val="accent6"/>
+    </dgm:linClrLst>
+    <dgm:effectClrLst/>
+    <dgm:txLinClrLst/>
+    <dgm:txFillClrLst meth="repeat">
+      <a:schemeClr val="dk1"/>
+    </dgm:txFillClrLst>
+    <dgm:txEffectClrLst/>
+  </dgm:styleLbl>
+  <dgm:styleLbl name="trAlignAcc1">
+    <dgm:fillClrLst meth="repeat">
+      <a:schemeClr val="lt1">
+        <a:alpha val="40000"/>
+      </a:schemeClr>
+    </dgm:fillClrLst>
+    <dgm:linClrLst meth="repeat">
+      <a:schemeClr val="accent5"/>
+    </dgm:linClrLst>
+    <dgm:effectClrLst/>
+    <dgm:txLinClrLst/>
+    <dgm:txFillClrLst meth="repeat">
+      <a:schemeClr val="dk1"/>
+    </dgm:txFillClrLst>
+    <dgm:txEffectClrLst/>
+  </dgm:styleLbl>
+  <dgm:styleLbl name="bgAcc1">
+    <dgm:fillClrLst meth="repeat">
+      <a:schemeClr val="lt1">
+        <a:alpha val="90000"/>
+      </a:schemeClr>
+    </dgm:fillClrLst>
+    <dgm:linClrLst>
+      <a:schemeClr val="accent5"/>
+      <a:schemeClr val="accent6"/>
+    </dgm:linClrLst>
+    <dgm:effectClrLst/>
+    <dgm:txLinClrLst/>
+    <dgm:txFillClrLst meth="repeat">
+      <a:schemeClr val="dk1"/>
+    </dgm:txFillClrLst>
+    <dgm:txEffectClrLst/>
+  </dgm:styleLbl>
+  <dgm:styleLbl name="solidFgAcc1">
+    <dgm:fillClrLst meth="repeat">
+      <a:schemeClr val="lt1"/>
+    </dgm:fillClrLst>
+    <dgm:linClrLst>
+      <a:schemeClr val="accent5"/>
+      <a:schemeClr val="accent6"/>
+    </dgm:linClrLst>
+    <dgm:effectClrLst/>
+    <dgm:txLinClrLst/>
+    <dgm:txFillClrLst meth="repeat">
+      <a:schemeClr val="dk1"/>
+    </dgm:txFillClrLst>
+    <dgm:txEffectClrLst/>
+  </dgm:styleLbl>
+  <dgm:styleLbl name="solidAlignAcc1">
+    <dgm:fillClrLst meth="repeat">
+      <a:schemeClr val="lt1"/>
+    </dgm:fillClrLst>
+    <dgm:linClrLst>
+      <a:schemeClr val="accent5"/>
+      <a:schemeClr val="accent6"/>
+    </dgm:linClrLst>
+    <dgm:effectClrLst/>
+    <dgm:txLinClrLst/>
+    <dgm:txFillClrLst meth="repeat">
+      <a:schemeClr val="dk1"/>
+    </dgm:txFillClrLst>
+    <dgm:txEffectClrLst/>
+  </dgm:styleLbl>
+  <dgm:styleLbl name="solidBgAcc1">
+    <dgm:fillClrLst meth="repeat">
+      <a:schemeClr val="lt1"/>
+    </dgm:fillClrLst>
+    <dgm:linClrLst>
+      <a:schemeClr val="accent5"/>
+      <a:schemeClr val="accent6"/>
+    </dgm:linClrLst>
+    <dgm:effectClrLst/>
+    <dgm:txLinClrLst/>
+    <dgm:txFillClrLst meth="repeat">
+      <a:schemeClr val="dk1"/>
+    </dgm:txFillClrLst>
+    <dgm:txEffectClrLst/>
+  </dgm:styleLbl>
+  <dgm:styleLbl name="fgAccFollowNode1">
+    <dgm:fillClrLst>
+      <a:schemeClr val="accent5">
+        <a:tint val="40000"/>
+        <a:alpha val="90000"/>
+      </a:schemeClr>
+      <a:schemeClr val="accent6">
+        <a:tint val="40000"/>
+        <a:alpha val="90000"/>
+      </a:schemeClr>
+    </dgm:fillClrLst>
+    <dgm:linClrLst>
+      <a:schemeClr val="accent5">
+        <a:tint val="40000"/>
+        <a:alpha val="90000"/>
+      </a:schemeClr>
+      <a:schemeClr val="accent5">
+        <a:tint val="40000"/>
+        <a:alpha val="90000"/>
+      </a:schemeClr>
+    </dgm:linClrLst>
+    <dgm:effectClrLst/>
+    <dgm:txLinClrLst/>
+    <dgm:txFillClrLst meth="repeat">
+      <a:schemeClr val="dk1"/>
+    </dgm:txFillClrLst>
+    <dgm:txEffectClrLst/>
+  </dgm:styleLbl>
+  <dgm:styleLbl name="alignAccFollowNode1">
+    <dgm:fillClrLst>
+      <a:schemeClr val="accent5">
+        <a:tint val="40000"/>
+        <a:alpha val="90000"/>
+      </a:schemeClr>
+      <a:schemeClr val="accent6">
+        <a:tint val="40000"/>
+        <a:alpha val="90000"/>
+      </a:schemeClr>
+    </dgm:fillClrLst>
+    <dgm:linClrLst>
+      <a:schemeClr val="accent5">
+        <a:tint val="40000"/>
+        <a:alpha val="90000"/>
+      </a:schemeClr>
+      <a:schemeClr val="accent6">
+        <a:tint val="40000"/>
+        <a:alpha val="90000"/>
+      </a:schemeClr>
+    </dgm:linClrLst>
+    <dgm:effectClrLst/>
+    <dgm:txLinClrLst/>
+    <dgm:txFillClrLst meth="repeat">
+      <a:schemeClr val="dk1"/>
+    </dgm:txFillClrLst>
+    <dgm:txEffectClrLst/>
+  </dgm:styleLbl>
+  <dgm:styleLbl name="bgAccFollowNode1">
+    <dgm:fillClrLst>
+      <a:schemeClr val="accent5">
+        <a:tint val="40000"/>
+        <a:alpha val="90000"/>
+      </a:schemeClr>
+      <a:schemeClr val="accent6">
+        <a:tint val="40000"/>
+        <a:alpha val="90000"/>
+      </a:schemeClr>
+    </dgm:fillClrLst>
+    <dgm:linClrLst>
+      <a:schemeClr val="accent5">
+        <a:tint val="40000"/>
+        <a:alpha val="90000"/>
+      </a:schemeClr>
+      <a:schemeClr val="accent6">
+        <a:tint val="40000"/>
+        <a:alpha val="90000"/>
+      </a:schemeClr>
+    </dgm:linClrLst>
+    <dgm:effectClrLst/>
+    <dgm:txLinClrLst/>
+    <dgm:txFillClrLst meth="repeat">
+      <a:schemeClr val="dk1"/>
+    </dgm:txFillClrLst>
+    <dgm:txEffectClrLst/>
+  </dgm:styleLbl>
+  <dgm:styleLbl name="fgAcc0">
+    <dgm:fillClrLst meth="repeat">
+      <a:schemeClr val="lt1">
+        <a:alpha val="90000"/>
+      </a:schemeClr>
+    </dgm:fillClrLst>
+    <dgm:linClrLst>
+      <a:schemeClr val="accent4"/>
+    </dgm:linClrLst>
+    <dgm:effectClrLst/>
+    <dgm:txLinClrLst/>
+    <dgm:txFillClrLst meth="repeat">
+      <a:schemeClr val="dk1"/>
+    </dgm:txFillClrLst>
+    <dgm:txEffectClrLst/>
+  </dgm:styleLbl>
+  <dgm:styleLbl name="fgAcc2">
+    <dgm:fillClrLst meth="repeat">
+      <a:schemeClr val="lt1">
+        <a:alpha val="90000"/>
+      </a:schemeClr>
+    </dgm:fillClrLst>
+    <dgm:linClrLst>
+      <a:schemeClr val="accent6"/>
+    </dgm:linClrLst>
+    <dgm:effectClrLst/>
+    <dgm:txLinClrLst/>
+    <dgm:txFillClrLst meth="repeat">
+      <a:schemeClr val="dk1"/>
+    </dgm:txFillClrLst>
+    <dgm:txEffectClrLst/>
+  </dgm:styleLbl>
+  <dgm:styleLbl name="fgAcc3">
+    <dgm:fillClrLst meth="repeat">
+      <a:schemeClr val="lt1">
+        <a:alpha val="90000"/>
+      </a:schemeClr>
+    </dgm:fillClrLst>
+    <dgm:linClrLst>
+      <a:schemeClr val="accent1"/>
+    </dgm:linClrLst>
+    <dgm:effectClrLst/>
+    <dgm:txLinClrLst/>
+    <dgm:txFillClrLst meth="repeat">
+      <a:schemeClr val="dk1"/>
+    </dgm:txFillClrLst>
+    <dgm:txEffectClrLst/>
+  </dgm:styleLbl>
+  <dgm:styleLbl name="fgAcc4">
+    <dgm:fillClrLst meth="repeat">
+      <a:schemeClr val="lt1">
+        <a:alpha val="90000"/>
+      </a:schemeClr>
+    </dgm:fillClrLst>
+    <dgm:linClrLst>
+      <a:schemeClr val="accent2"/>
+    </dgm:linClrLst>
+    <dgm:effectClrLst/>
+    <dgm:txLinClrLst/>
+    <dgm:txFillClrLst meth="repeat">
+      <a:schemeClr val="dk1"/>
+    </dgm:txFillClrLst>
+    <dgm:txEffectClrLst/>
+  </dgm:styleLbl>
+  <dgm:styleLbl name="bgShp">
+    <dgm:fillClrLst meth="repeat">
+      <a:schemeClr val="accent5">
+        <a:tint val="40000"/>
+      </a:schemeClr>
+    </dgm:fillClrLst>
+    <dgm:linClrLst meth="repeat">
+      <a:schemeClr val="dk1"/>
+    </dgm:linClrLst>
+    <dgm:effectClrLst/>
+    <dgm:txLinClrLst/>
+    <dgm:txFillClrLst meth="repeat">
+      <a:schemeClr val="dk1"/>
+    </dgm:txFillClrLst>
+    <dgm:txEffectClrLst/>
+  </dgm:styleLbl>
+  <dgm:styleLbl name="dkBgShp">
+    <dgm:fillClrLst meth="repeat">
+      <a:schemeClr val="accent5">
+        <a:shade val="90000"/>
+      </a:schemeClr>
+    </dgm:fillClrLst>
+    <dgm:linClrLst meth="repeat">
+      <a:schemeClr val="dk1"/>
+    </dgm:linClrLst>
+    <dgm:effectClrLst/>
+    <dgm:txLinClrLst/>
+    <dgm:txFillClrLst meth="repeat">
+      <a:schemeClr val="lt1"/>
+    </dgm:txFillClrLst>
+    <dgm:txEffectClrLst/>
+  </dgm:styleLbl>
+  <dgm:styleLbl name="trBgShp">
+    <dgm:fillClrLst meth="repeat">
+      <a:schemeClr val="accent5">
+        <a:tint val="50000"/>
+        <a:alpha val="40000"/>
+      </a:schemeClr>
+    </dgm:fillClrLst>
+    <dgm:linClrLst meth="repeat">
+      <a:schemeClr val="accent5"/>
+    </dgm:linClrLst>
+    <dgm:effectClrLst/>
+    <dgm:txLinClrLst/>
+    <dgm:txFillClrLst meth="repeat">
+      <a:schemeClr val="lt1"/>
+    </dgm:txFillClrLst>
+    <dgm:txEffectClrLst/>
+  </dgm:styleLbl>
+  <dgm:styleLbl name="fgShp">
+    <dgm:fillClrLst meth="repeat">
+      <a:schemeClr val="accent5">
+        <a:tint val="40000"/>
+      </a:schemeClr>
+    </dgm:fillClrLst>
+    <dgm:linClrLst meth="repeat">
+      <a:schemeClr val="lt1"/>
+    </dgm:linClrLst>
+    <dgm:effectClrLst/>
+    <dgm:txLinClrLst/>
+    <dgm:txFillClrLst meth="repeat">
+      <a:schemeClr val="dk1"/>
+    </dgm:txFillClrLst>
+    <dgm:txEffectClrLst/>
+  </dgm:styleLbl>
+  <dgm:styleLbl name="revTx">
+    <dgm:fillClrLst meth="repeat">
+      <a:schemeClr val="lt1">
+        <a:alpha val="0"/>
+      </a:schemeClr>
+    </dgm:fillClrLst>
+    <dgm:linClrLst meth="repeat">
+      <a:schemeClr val="dk1">
+        <a:alpha val="0"/>
+      </a:schemeClr>
+    </dgm:linClrLst>
+    <dgm:effectClrLst/>
+    <dgm:txLinClrLst/>
+    <dgm:txFillClrLst meth="repeat">
+      <a:schemeClr val="tx1"/>
+    </dgm:txFillClrLst>
+    <dgm:txEffectClrLst/>
+  </dgm:styleLbl>
+</dgm:colorsDef>
+</file>
+
+<file path=ppt/diagrams/data1.xml><?xml version="1.0" encoding="utf-8"?>
+<dgm:dataModel xmlns:dgm="http://schemas.openxmlformats.org/drawingml/2006/diagram" xmlns:a="http://schemas.openxmlformats.org/drawingml/2006/main">
+  <dgm:ptLst>
+    <dgm:pt modelId="{61185DBA-9CB1-487E-8372-D9E1A22574DD}" type="doc">
+      <dgm:prSet loTypeId="urn:microsoft.com/office/officeart/2005/8/layout/hProcess6" loCatId="process" qsTypeId="urn:microsoft.com/office/officeart/2005/8/quickstyle/simple1" qsCatId="simple" csTypeId="urn:microsoft.com/office/officeart/2005/8/colors/colorful5" csCatId="colorful" phldr="1"/>
+      <dgm:spPr/>
+      <dgm:t>
+        <a:bodyPr/>
+        <a:lstStyle/>
+        <a:p>
+          <a:endParaRPr lang="en-US"/>
+        </a:p>
+      </dgm:t>
+    </dgm:pt>
+    <dgm:pt modelId="{933669B4-DB13-4B72-9F23-6CD39E9DA0EF}">
+      <dgm:prSet/>
+      <dgm:spPr/>
+      <dgm:t>
+        <a:bodyPr/>
+        <a:lstStyle/>
+        <a:p>
+          <a:r>
+            <a:rPr lang="en-US"/>
+            <a:t>DATA</a:t>
+          </a:r>
+        </a:p>
+      </dgm:t>
+    </dgm:pt>
+    <dgm:pt modelId="{FD5F9727-13EF-4CC5-9C33-AE1A2E02C1D4}" type="parTrans" cxnId="{DF4DFC9F-5B4E-405E-9FA8-6927250E87E7}">
+      <dgm:prSet/>
+      <dgm:spPr/>
+      <dgm:t>
+        <a:bodyPr/>
+        <a:lstStyle/>
+        <a:p>
+          <a:endParaRPr lang="en-US"/>
+        </a:p>
+      </dgm:t>
+    </dgm:pt>
+    <dgm:pt modelId="{7071F5E2-A795-4AAC-A8B3-57796A5FDECE}" type="sibTrans" cxnId="{DF4DFC9F-5B4E-405E-9FA8-6927250E87E7}">
+      <dgm:prSet/>
+      <dgm:spPr/>
+      <dgm:t>
+        <a:bodyPr/>
+        <a:lstStyle/>
+        <a:p>
+          <a:endParaRPr lang="en-US"/>
+        </a:p>
+      </dgm:t>
+    </dgm:pt>
+    <dgm:pt modelId="{E02907FF-51C1-4A16-A611-973018274456}">
+      <dgm:prSet/>
+      <dgm:spPr/>
+      <dgm:t>
+        <a:bodyPr/>
+        <a:lstStyle/>
+        <a:p>
+          <a:r>
+            <a:rPr lang="en-US"/>
+            <a:t>OpenGround</a:t>
+          </a:r>
+        </a:p>
+      </dgm:t>
+    </dgm:pt>
+    <dgm:pt modelId="{95D7C5E8-9BE9-4382-8997-13C101A821DA}" type="parTrans" cxnId="{AD852460-1228-4FC6-BCA0-0A354E7872D9}">
+      <dgm:prSet/>
+      <dgm:spPr/>
+      <dgm:t>
+        <a:bodyPr/>
+        <a:lstStyle/>
+        <a:p>
+          <a:endParaRPr lang="en-US"/>
+        </a:p>
+      </dgm:t>
+    </dgm:pt>
+    <dgm:pt modelId="{A6F41B6D-69FE-410C-8404-C2A5FECFC42A}" type="sibTrans" cxnId="{AD852460-1228-4FC6-BCA0-0A354E7872D9}">
+      <dgm:prSet/>
+      <dgm:spPr/>
+      <dgm:t>
+        <a:bodyPr/>
+        <a:lstStyle/>
+        <a:p>
+          <a:endParaRPr lang="en-US"/>
+        </a:p>
+      </dgm:t>
+    </dgm:pt>
+    <dgm:pt modelId="{DC8670E5-E406-4536-9A53-0183156EE9FE}">
+      <dgm:prSet/>
+      <dgm:spPr/>
+      <dgm:t>
+        <a:bodyPr/>
+        <a:lstStyle/>
+        <a:p>
+          <a:r>
+            <a:rPr lang="en-US"/>
+            <a:t>MIDAS</a:t>
+          </a:r>
+        </a:p>
+      </dgm:t>
+    </dgm:pt>
+    <dgm:pt modelId="{143881F4-5CE1-41F6-914D-545B61C9218F}" type="parTrans" cxnId="{84D025CF-9368-4E10-8F6E-2751A1662A89}">
+      <dgm:prSet/>
+      <dgm:spPr/>
+      <dgm:t>
+        <a:bodyPr/>
+        <a:lstStyle/>
+        <a:p>
+          <a:endParaRPr lang="en-US"/>
+        </a:p>
+      </dgm:t>
+    </dgm:pt>
+    <dgm:pt modelId="{D3B2E74A-13AA-4324-AE48-D11533F79256}" type="sibTrans" cxnId="{84D025CF-9368-4E10-8F6E-2751A1662A89}">
+      <dgm:prSet/>
+      <dgm:spPr/>
+      <dgm:t>
+        <a:bodyPr/>
+        <a:lstStyle/>
+        <a:p>
+          <a:endParaRPr lang="en-US"/>
+        </a:p>
+      </dgm:t>
+    </dgm:pt>
+    <dgm:pt modelId="{E600B250-A99A-4745-A2B7-A0FEEA82F9B1}">
+      <dgm:prSet/>
+      <dgm:spPr/>
+      <dgm:t>
+        <a:bodyPr/>
+        <a:lstStyle/>
+        <a:p>
+          <a:r>
+            <a:rPr lang="en-US"/>
+            <a:t>EM Pumps</a:t>
+          </a:r>
+        </a:p>
+      </dgm:t>
+    </dgm:pt>
+    <dgm:pt modelId="{6B008D55-FB57-4A52-9238-38F2EF729B8A}" type="parTrans" cxnId="{CD91094C-38B2-4851-A692-1D6141E82C16}">
+      <dgm:prSet/>
+      <dgm:spPr/>
+      <dgm:t>
+        <a:bodyPr/>
+        <a:lstStyle/>
+        <a:p>
+          <a:endParaRPr lang="en-US"/>
+        </a:p>
+      </dgm:t>
+    </dgm:pt>
+    <dgm:pt modelId="{25E889C0-871E-4D3F-95AA-1B94A9E725DD}" type="sibTrans" cxnId="{CD91094C-38B2-4851-A692-1D6141E82C16}">
+      <dgm:prSet/>
+      <dgm:spPr/>
+      <dgm:t>
+        <a:bodyPr/>
+        <a:lstStyle/>
+        <a:p>
+          <a:endParaRPr lang="en-US"/>
+        </a:p>
+      </dgm:t>
+    </dgm:pt>
+    <dgm:pt modelId="{BDF6F96D-F3E2-47B0-AB26-AC8CBE82A6AB}">
+      <dgm:prSet/>
+      <dgm:spPr/>
+      <dgm:t>
+        <a:bodyPr/>
+        <a:lstStyle/>
+        <a:p>
+          <a:r>
+            <a:rPr lang="en-US"/>
+            <a:t>e-Risk</a:t>
+          </a:r>
+        </a:p>
+      </dgm:t>
+    </dgm:pt>
+    <dgm:pt modelId="{C148A2A1-C5DE-4AC5-8CC1-29EDD860BAE0}" type="parTrans" cxnId="{95F814C2-DB79-4FFC-8CAB-625D493B7CAA}">
+      <dgm:prSet/>
+      <dgm:spPr/>
+      <dgm:t>
+        <a:bodyPr/>
+        <a:lstStyle/>
+        <a:p>
+          <a:endParaRPr lang="en-US"/>
+        </a:p>
+      </dgm:t>
+    </dgm:pt>
+    <dgm:pt modelId="{1DF337AF-778C-4091-9182-64F837C80FEC}" type="sibTrans" cxnId="{95F814C2-DB79-4FFC-8CAB-625D493B7CAA}">
+      <dgm:prSet/>
+      <dgm:spPr/>
+      <dgm:t>
+        <a:bodyPr/>
+        <a:lstStyle/>
+        <a:p>
+          <a:endParaRPr lang="en-US"/>
+        </a:p>
+      </dgm:t>
+    </dgm:pt>
+    <dgm:pt modelId="{CD002C12-BB78-4DDE-A389-87CF3BC44882}">
+      <dgm:prSet/>
+      <dgm:spPr/>
+      <dgm:t>
+        <a:bodyPr/>
+        <a:lstStyle/>
+        <a:p>
+          <a:r>
+            <a:rPr lang="en-US" dirty="0"/>
+            <a:t>BRIP</a:t>
+          </a:r>
+        </a:p>
+      </dgm:t>
+    </dgm:pt>
+    <dgm:pt modelId="{06EF48CA-6709-4EC0-8A0C-BD596741DA8B}" type="parTrans" cxnId="{DCB87017-1F64-434A-9C77-D10A72E3728E}">
+      <dgm:prSet/>
+      <dgm:spPr/>
+      <dgm:t>
+        <a:bodyPr/>
+        <a:lstStyle/>
+        <a:p>
+          <a:endParaRPr lang="en-US"/>
+        </a:p>
+      </dgm:t>
+    </dgm:pt>
+    <dgm:pt modelId="{8008776F-9AC8-41A1-90F2-733A67947331}" type="sibTrans" cxnId="{DCB87017-1F64-434A-9C77-D10A72E3728E}">
+      <dgm:prSet/>
+      <dgm:spPr/>
+      <dgm:t>
+        <a:bodyPr/>
+        <a:lstStyle/>
+        <a:p>
+          <a:endParaRPr lang="en-US"/>
+        </a:p>
+      </dgm:t>
+    </dgm:pt>
+    <dgm:pt modelId="{3074F38A-BA57-48B0-AF16-1037FA327B65}">
+      <dgm:prSet/>
+      <dgm:spPr/>
+      <dgm:t>
+        <a:bodyPr/>
+        <a:lstStyle/>
+        <a:p>
+          <a:r>
+            <a:rPr lang="en-US"/>
+            <a:t>TRANSLATION</a:t>
+          </a:r>
+        </a:p>
+      </dgm:t>
+    </dgm:pt>
+    <dgm:pt modelId="{9A5D3A6C-C051-459F-907B-652F71867A8E}" type="parTrans" cxnId="{F6BF28AC-5128-4C1A-AA9B-B860835C7170}">
+      <dgm:prSet/>
+      <dgm:spPr/>
+      <dgm:t>
+        <a:bodyPr/>
+        <a:lstStyle/>
+        <a:p>
+          <a:endParaRPr lang="en-US"/>
+        </a:p>
+      </dgm:t>
+    </dgm:pt>
+    <dgm:pt modelId="{7A5B192F-2DEA-4B6D-AB28-0ED537FE3E31}" type="sibTrans" cxnId="{F6BF28AC-5128-4C1A-AA9B-B860835C7170}">
+      <dgm:prSet/>
+      <dgm:spPr/>
+      <dgm:t>
+        <a:bodyPr/>
+        <a:lstStyle/>
+        <a:p>
+          <a:endParaRPr lang="en-US"/>
+        </a:p>
+      </dgm:t>
+    </dgm:pt>
+    <dgm:pt modelId="{00C50B6C-1254-45BA-B507-AD3D9873882A}">
+      <dgm:prSet/>
+      <dgm:spPr/>
+      <dgm:t>
+        <a:bodyPr/>
+        <a:lstStyle/>
+        <a:p>
+          <a:r>
+            <a:rPr lang="en-US"/>
+            <a:t>Koop Providers</a:t>
+          </a:r>
+        </a:p>
+      </dgm:t>
+    </dgm:pt>
+    <dgm:pt modelId="{04031336-3FB0-4285-92EC-7D231612E785}" type="parTrans" cxnId="{7AE62089-A687-45CD-8231-B4847F61E041}">
+      <dgm:prSet/>
+      <dgm:spPr/>
+      <dgm:t>
+        <a:bodyPr/>
+        <a:lstStyle/>
+        <a:p>
+          <a:endParaRPr lang="en-US"/>
+        </a:p>
+      </dgm:t>
+    </dgm:pt>
+    <dgm:pt modelId="{54CDAC6E-D139-431E-A406-4036BB42A978}" type="sibTrans" cxnId="{7AE62089-A687-45CD-8231-B4847F61E041}">
+      <dgm:prSet/>
+      <dgm:spPr/>
+      <dgm:t>
+        <a:bodyPr/>
+        <a:lstStyle/>
+        <a:p>
+          <a:endParaRPr lang="en-US"/>
+        </a:p>
+      </dgm:t>
+    </dgm:pt>
+    <dgm:pt modelId="{F64D8B6F-76CB-4250-8A68-7F7D82D02926}">
+      <dgm:prSet/>
+      <dgm:spPr/>
+      <dgm:t>
+        <a:bodyPr/>
+        <a:lstStyle/>
+        <a:p>
+          <a:r>
+            <a:rPr lang="en-US"/>
+            <a:t>REPORTING</a:t>
+          </a:r>
+        </a:p>
+      </dgm:t>
+    </dgm:pt>
+    <dgm:pt modelId="{0D025F8F-7A69-45CF-95EC-D4979CD9AFAB}" type="parTrans" cxnId="{717CC161-9506-40D2-A08E-95152CFA841E}">
+      <dgm:prSet/>
+      <dgm:spPr/>
+      <dgm:t>
+        <a:bodyPr/>
+        <a:lstStyle/>
+        <a:p>
+          <a:endParaRPr lang="en-US"/>
+        </a:p>
+      </dgm:t>
+    </dgm:pt>
+    <dgm:pt modelId="{A0AD782E-35D3-40CB-AE62-7ABBFB46B6F3}" type="sibTrans" cxnId="{717CC161-9506-40D2-A08E-95152CFA841E}">
+      <dgm:prSet/>
+      <dgm:spPr/>
+      <dgm:t>
+        <a:bodyPr/>
+        <a:lstStyle/>
+        <a:p>
+          <a:endParaRPr lang="en-US"/>
+        </a:p>
+      </dgm:t>
+    </dgm:pt>
+    <dgm:pt modelId="{93067960-04E2-4D0B-858D-F41897E5E133}">
+      <dgm:prSet/>
+      <dgm:spPr/>
+      <dgm:t>
+        <a:bodyPr/>
+        <a:lstStyle/>
+        <a:p>
+          <a:r>
+            <a:rPr lang="en-US" dirty="0"/>
+            <a:t>AGOL</a:t>
+          </a:r>
+        </a:p>
+      </dgm:t>
+    </dgm:pt>
+    <dgm:pt modelId="{8192EEC6-81BE-41B4-9C48-41B21A146C25}" type="parTrans" cxnId="{4B607AC1-52D0-4035-AFC8-A6AA82E40343}">
+      <dgm:prSet/>
+      <dgm:spPr/>
+      <dgm:t>
+        <a:bodyPr/>
+        <a:lstStyle/>
+        <a:p>
+          <a:endParaRPr lang="en-US"/>
+        </a:p>
+      </dgm:t>
+    </dgm:pt>
+    <dgm:pt modelId="{CD6A042E-4E50-4385-B365-03B84E219AFA}" type="sibTrans" cxnId="{4B607AC1-52D0-4035-AFC8-A6AA82E40343}">
+      <dgm:prSet/>
+      <dgm:spPr/>
+      <dgm:t>
+        <a:bodyPr/>
+        <a:lstStyle/>
+        <a:p>
+          <a:endParaRPr lang="en-US"/>
+        </a:p>
+      </dgm:t>
+    </dgm:pt>
+    <dgm:pt modelId="{0F739179-4EB8-47B2-815A-B2A201B28CD1}">
+      <dgm:prSet/>
+      <dgm:spPr/>
+      <dgm:t>
+        <a:bodyPr/>
+        <a:lstStyle/>
+        <a:p>
+          <a:r>
+            <a:rPr lang="en-US"/>
+            <a:t>R/Shiny/Rmd</a:t>
+          </a:r>
+        </a:p>
+      </dgm:t>
+    </dgm:pt>
+    <dgm:pt modelId="{0DBD6FA0-24D5-42B5-A85B-D61577AA4CFF}" type="parTrans" cxnId="{2360E610-3C85-4EC0-A49E-54055EBBDBA4}">
+      <dgm:prSet/>
+      <dgm:spPr/>
+      <dgm:t>
+        <a:bodyPr/>
+        <a:lstStyle/>
+        <a:p>
+          <a:endParaRPr lang="en-US"/>
+        </a:p>
+      </dgm:t>
+    </dgm:pt>
+    <dgm:pt modelId="{B9EB4126-F747-4435-BE3E-E55FD4882B52}" type="sibTrans" cxnId="{2360E610-3C85-4EC0-A49E-54055EBBDBA4}">
+      <dgm:prSet/>
+      <dgm:spPr/>
+      <dgm:t>
+        <a:bodyPr/>
+        <a:lstStyle/>
+        <a:p>
+          <a:endParaRPr lang="en-US"/>
+        </a:p>
+      </dgm:t>
+    </dgm:pt>
+    <dgm:pt modelId="{F45E3A8E-9D55-4A16-9251-CB6C3AE48306}">
+      <dgm:prSet/>
+      <dgm:spPr/>
+      <dgm:t>
+        <a:bodyPr/>
+        <a:lstStyle/>
+        <a:p>
+          <a:r>
+            <a:rPr lang="en-US"/>
+            <a:t>Qlik/Tableau/Power BI</a:t>
+          </a:r>
+        </a:p>
+      </dgm:t>
+    </dgm:pt>
+    <dgm:pt modelId="{02679F1A-3D1C-495C-8531-2B1A3E469CFB}" type="parTrans" cxnId="{100828F6-2068-46A0-8F41-1CCC80CA00D2}">
+      <dgm:prSet/>
+      <dgm:spPr/>
+      <dgm:t>
+        <a:bodyPr/>
+        <a:lstStyle/>
+        <a:p>
+          <a:endParaRPr lang="en-US"/>
+        </a:p>
+      </dgm:t>
+    </dgm:pt>
+    <dgm:pt modelId="{F3269404-7F96-455E-B9FF-0F7968117312}" type="sibTrans" cxnId="{100828F6-2068-46A0-8F41-1CCC80CA00D2}">
+      <dgm:prSet/>
+      <dgm:spPr/>
+      <dgm:t>
+        <a:bodyPr/>
+        <a:lstStyle/>
+        <a:p>
+          <a:endParaRPr lang="en-US"/>
+        </a:p>
+      </dgm:t>
+    </dgm:pt>
+    <dgm:pt modelId="{249220BC-6A6D-47E3-AB69-73898A87DBCB}">
+      <dgm:prSet/>
+      <dgm:spPr/>
+      <dgm:t>
+        <a:bodyPr/>
+        <a:lstStyle/>
+        <a:p>
+          <a:r>
+            <a:rPr lang="en-US" dirty="0"/>
+            <a:t>River Gauges</a:t>
+          </a:r>
+        </a:p>
+      </dgm:t>
+    </dgm:pt>
+    <dgm:pt modelId="{AB010DBF-9EA0-4B3C-BE12-F6946171290E}" type="parTrans" cxnId="{464107B6-3FB9-4EBC-AB35-84DA628890DF}">
+      <dgm:prSet/>
+      <dgm:spPr/>
+      <dgm:t>
+        <a:bodyPr/>
+        <a:lstStyle/>
+        <a:p>
+          <a:endParaRPr lang="en-US"/>
+        </a:p>
+      </dgm:t>
+    </dgm:pt>
+    <dgm:pt modelId="{E60E4C16-EA49-4CD2-BE5B-05157F1301CB}" type="sibTrans" cxnId="{464107B6-3FB9-4EBC-AB35-84DA628890DF}">
+      <dgm:prSet/>
+      <dgm:spPr/>
+      <dgm:t>
+        <a:bodyPr/>
+        <a:lstStyle/>
+        <a:p>
+          <a:endParaRPr lang="en-US"/>
+        </a:p>
+      </dgm:t>
+    </dgm:pt>
+    <dgm:pt modelId="{A2A67E1C-0C40-4126-8568-F5A773584B0C}" type="pres">
+      <dgm:prSet presAssocID="{61185DBA-9CB1-487E-8372-D9E1A22574DD}" presName="theList" presStyleCnt="0">
+        <dgm:presLayoutVars>
+          <dgm:dir/>
+          <dgm:animLvl val="lvl"/>
+          <dgm:resizeHandles val="exact"/>
+        </dgm:presLayoutVars>
+      </dgm:prSet>
+      <dgm:spPr/>
+    </dgm:pt>
+    <dgm:pt modelId="{B301459A-556E-4F08-88A3-57B6B67951B5}" type="pres">
+      <dgm:prSet presAssocID="{933669B4-DB13-4B72-9F23-6CD39E9DA0EF}" presName="compNode" presStyleCnt="0"/>
+      <dgm:spPr/>
+    </dgm:pt>
+    <dgm:pt modelId="{CCF07A6E-E0EF-42C8-B853-41891163C34B}" type="pres">
+      <dgm:prSet presAssocID="{933669B4-DB13-4B72-9F23-6CD39E9DA0EF}" presName="noGeometry" presStyleCnt="0"/>
+      <dgm:spPr/>
+    </dgm:pt>
+    <dgm:pt modelId="{12903540-770B-434E-9123-F1527AC023F4}" type="pres">
+      <dgm:prSet presAssocID="{933669B4-DB13-4B72-9F23-6CD39E9DA0EF}" presName="childTextVisible" presStyleLbl="bgAccFollowNode1" presStyleIdx="0" presStyleCnt="3">
+        <dgm:presLayoutVars>
+          <dgm:bulletEnabled val="1"/>
+        </dgm:presLayoutVars>
+      </dgm:prSet>
+      <dgm:spPr/>
+    </dgm:pt>
+    <dgm:pt modelId="{6CC37553-531D-49B9-9373-F1C4F82EEAD3}" type="pres">
+      <dgm:prSet presAssocID="{933669B4-DB13-4B72-9F23-6CD39E9DA0EF}" presName="childTextHidden" presStyleLbl="bgAccFollowNode1" presStyleIdx="0" presStyleCnt="3"/>
+      <dgm:spPr/>
+    </dgm:pt>
+    <dgm:pt modelId="{12E3AB55-0DBA-4E91-AD8D-11749D3E26AA}" type="pres">
+      <dgm:prSet presAssocID="{933669B4-DB13-4B72-9F23-6CD39E9DA0EF}" presName="parentText" presStyleLbl="node1" presStyleIdx="0" presStyleCnt="3">
+        <dgm:presLayoutVars>
+          <dgm:chMax val="1"/>
+          <dgm:bulletEnabled val="1"/>
+        </dgm:presLayoutVars>
+      </dgm:prSet>
+      <dgm:spPr/>
+    </dgm:pt>
+    <dgm:pt modelId="{D15A49B8-2C08-4CAF-9C26-AB4B5CDD1D96}" type="pres">
+      <dgm:prSet presAssocID="{933669B4-DB13-4B72-9F23-6CD39E9DA0EF}" presName="aSpace" presStyleCnt="0"/>
+      <dgm:spPr/>
+    </dgm:pt>
+    <dgm:pt modelId="{F2C585D6-9889-4D0A-B174-1B9961F1692C}" type="pres">
+      <dgm:prSet presAssocID="{3074F38A-BA57-48B0-AF16-1037FA327B65}" presName="compNode" presStyleCnt="0"/>
+      <dgm:spPr/>
+    </dgm:pt>
+    <dgm:pt modelId="{4A709826-9A8C-4FB0-BE7E-03D8135D34EA}" type="pres">
+      <dgm:prSet presAssocID="{3074F38A-BA57-48B0-AF16-1037FA327B65}" presName="noGeometry" presStyleCnt="0"/>
+      <dgm:spPr/>
+    </dgm:pt>
+    <dgm:pt modelId="{AD481E0D-A3CC-48CC-B8FB-E4521F266393}" type="pres">
+      <dgm:prSet presAssocID="{3074F38A-BA57-48B0-AF16-1037FA327B65}" presName="childTextVisible" presStyleLbl="bgAccFollowNode1" presStyleIdx="1" presStyleCnt="3">
+        <dgm:presLayoutVars>
+          <dgm:bulletEnabled val="1"/>
+        </dgm:presLayoutVars>
+      </dgm:prSet>
+      <dgm:spPr/>
+    </dgm:pt>
+    <dgm:pt modelId="{37E7E204-99AB-4C9E-88C6-D8E9942AE400}" type="pres">
+      <dgm:prSet presAssocID="{3074F38A-BA57-48B0-AF16-1037FA327B65}" presName="childTextHidden" presStyleLbl="bgAccFollowNode1" presStyleIdx="1" presStyleCnt="3"/>
+      <dgm:spPr/>
+    </dgm:pt>
+    <dgm:pt modelId="{1AD8021D-20FE-4450-AA5B-C438005A71F6}" type="pres">
+      <dgm:prSet presAssocID="{3074F38A-BA57-48B0-AF16-1037FA327B65}" presName="parentText" presStyleLbl="node1" presStyleIdx="1" presStyleCnt="3">
+        <dgm:presLayoutVars>
+          <dgm:chMax val="1"/>
+          <dgm:bulletEnabled val="1"/>
+        </dgm:presLayoutVars>
+      </dgm:prSet>
+      <dgm:spPr/>
+    </dgm:pt>
+    <dgm:pt modelId="{A451F4D1-C01E-4C37-928F-F970D17CCFEC}" type="pres">
+      <dgm:prSet presAssocID="{3074F38A-BA57-48B0-AF16-1037FA327B65}" presName="aSpace" presStyleCnt="0"/>
+      <dgm:spPr/>
+    </dgm:pt>
+    <dgm:pt modelId="{E8A41835-CE9A-4279-AC7C-5DF737BEF490}" type="pres">
+      <dgm:prSet presAssocID="{F64D8B6F-76CB-4250-8A68-7F7D82D02926}" presName="compNode" presStyleCnt="0"/>
+      <dgm:spPr/>
+    </dgm:pt>
+    <dgm:pt modelId="{8E582F24-189C-4F16-9F6C-1FB6AC8CC6EE}" type="pres">
+      <dgm:prSet presAssocID="{F64D8B6F-76CB-4250-8A68-7F7D82D02926}" presName="noGeometry" presStyleCnt="0"/>
+      <dgm:spPr/>
+    </dgm:pt>
+    <dgm:pt modelId="{75F52B7E-A221-4FF9-8F64-4B2CED97A0B1}" type="pres">
+      <dgm:prSet presAssocID="{F64D8B6F-76CB-4250-8A68-7F7D82D02926}" presName="childTextVisible" presStyleLbl="bgAccFollowNode1" presStyleIdx="2" presStyleCnt="3">
+        <dgm:presLayoutVars>
+          <dgm:bulletEnabled val="1"/>
+        </dgm:presLayoutVars>
+      </dgm:prSet>
+      <dgm:spPr/>
+    </dgm:pt>
+    <dgm:pt modelId="{B190F236-C09A-49F9-938F-DED4D6091FD0}" type="pres">
+      <dgm:prSet presAssocID="{F64D8B6F-76CB-4250-8A68-7F7D82D02926}" presName="childTextHidden" presStyleLbl="bgAccFollowNode1" presStyleIdx="2" presStyleCnt="3"/>
+      <dgm:spPr/>
+    </dgm:pt>
+    <dgm:pt modelId="{C3019CCA-2333-454C-8185-7D6261105BF5}" type="pres">
+      <dgm:prSet presAssocID="{F64D8B6F-76CB-4250-8A68-7F7D82D02926}" presName="parentText" presStyleLbl="node1" presStyleIdx="2" presStyleCnt="3">
+        <dgm:presLayoutVars>
+          <dgm:chMax val="1"/>
+          <dgm:bulletEnabled val="1"/>
+        </dgm:presLayoutVars>
+      </dgm:prSet>
+      <dgm:spPr/>
+    </dgm:pt>
+  </dgm:ptLst>
+  <dgm:cxnLst>
+    <dgm:cxn modelId="{887F3000-0402-4548-8C38-F49A0CD4DF3E}" type="presOf" srcId="{249220BC-6A6D-47E3-AB69-73898A87DBCB}" destId="{12903540-770B-434E-9123-F1527AC023F4}" srcOrd="0" destOrd="5" presId="urn:microsoft.com/office/officeart/2005/8/layout/hProcess6"/>
+    <dgm:cxn modelId="{2360E610-3C85-4EC0-A49E-54055EBBDBA4}" srcId="{F64D8B6F-76CB-4250-8A68-7F7D82D02926}" destId="{0F739179-4EB8-47B2-815A-B2A201B28CD1}" srcOrd="1" destOrd="0" parTransId="{0DBD6FA0-24D5-42B5-A85B-D61577AA4CFF}" sibTransId="{B9EB4126-F747-4435-BE3E-E55FD4882B52}"/>
+    <dgm:cxn modelId="{DCB87017-1F64-434A-9C77-D10A72E3728E}" srcId="{933669B4-DB13-4B72-9F23-6CD39E9DA0EF}" destId="{CD002C12-BB78-4DDE-A389-87CF3BC44882}" srcOrd="4" destOrd="0" parTransId="{06EF48CA-6709-4EC0-8A0C-BD596741DA8B}" sibTransId="{8008776F-9AC8-41A1-90F2-733A67947331}"/>
+    <dgm:cxn modelId="{E6EAB619-E26B-41D9-A3F7-137BD8C2CC3B}" type="presOf" srcId="{E02907FF-51C1-4A16-A611-973018274456}" destId="{12903540-770B-434E-9123-F1527AC023F4}" srcOrd="0" destOrd="0" presId="urn:microsoft.com/office/officeart/2005/8/layout/hProcess6"/>
+    <dgm:cxn modelId="{4B701A27-F5A5-4951-A733-6A6C68B62B79}" type="presOf" srcId="{F64D8B6F-76CB-4250-8A68-7F7D82D02926}" destId="{C3019CCA-2333-454C-8185-7D6261105BF5}" srcOrd="0" destOrd="0" presId="urn:microsoft.com/office/officeart/2005/8/layout/hProcess6"/>
+    <dgm:cxn modelId="{6BA69629-02AD-41E8-A87B-ABD4233EF2EF}" type="presOf" srcId="{93067960-04E2-4D0B-858D-F41897E5E133}" destId="{B190F236-C09A-49F9-938F-DED4D6091FD0}" srcOrd="1" destOrd="0" presId="urn:microsoft.com/office/officeart/2005/8/layout/hProcess6"/>
+    <dgm:cxn modelId="{2138CB2E-8A97-4FEC-8A05-B2ADA7F83159}" type="presOf" srcId="{F45E3A8E-9D55-4A16-9251-CB6C3AE48306}" destId="{75F52B7E-A221-4FF9-8F64-4B2CED97A0B1}" srcOrd="0" destOrd="2" presId="urn:microsoft.com/office/officeart/2005/8/layout/hProcess6"/>
+    <dgm:cxn modelId="{2E912434-ADE6-44DE-9ED6-92E0DF2C7AAE}" type="presOf" srcId="{BDF6F96D-F3E2-47B0-AB26-AC8CBE82A6AB}" destId="{6CC37553-531D-49B9-9373-F1C4F82EEAD3}" srcOrd="1" destOrd="3" presId="urn:microsoft.com/office/officeart/2005/8/layout/hProcess6"/>
+    <dgm:cxn modelId="{7D63E03C-1104-4364-8512-473979F215C5}" type="presOf" srcId="{0F739179-4EB8-47B2-815A-B2A201B28CD1}" destId="{B190F236-C09A-49F9-938F-DED4D6091FD0}" srcOrd="1" destOrd="1" presId="urn:microsoft.com/office/officeart/2005/8/layout/hProcess6"/>
+    <dgm:cxn modelId="{AD852460-1228-4FC6-BCA0-0A354E7872D9}" srcId="{933669B4-DB13-4B72-9F23-6CD39E9DA0EF}" destId="{E02907FF-51C1-4A16-A611-973018274456}" srcOrd="0" destOrd="0" parTransId="{95D7C5E8-9BE9-4382-8997-13C101A821DA}" sibTransId="{A6F41B6D-69FE-410C-8404-C2A5FECFC42A}"/>
+    <dgm:cxn modelId="{717CC161-9506-40D2-A08E-95152CFA841E}" srcId="{61185DBA-9CB1-487E-8372-D9E1A22574DD}" destId="{F64D8B6F-76CB-4250-8A68-7F7D82D02926}" srcOrd="2" destOrd="0" parTransId="{0D025F8F-7A69-45CF-95EC-D4979CD9AFAB}" sibTransId="{A0AD782E-35D3-40CB-AE62-7ABBFB46B6F3}"/>
+    <dgm:cxn modelId="{7433EE45-C321-44F9-A81F-4B0BD315F53F}" type="presOf" srcId="{DC8670E5-E406-4536-9A53-0183156EE9FE}" destId="{6CC37553-531D-49B9-9373-F1C4F82EEAD3}" srcOrd="1" destOrd="1" presId="urn:microsoft.com/office/officeart/2005/8/layout/hProcess6"/>
+    <dgm:cxn modelId="{1CCF5B67-75F2-404E-AFEF-50775BE7E5AE}" type="presOf" srcId="{0F739179-4EB8-47B2-815A-B2A201B28CD1}" destId="{75F52B7E-A221-4FF9-8F64-4B2CED97A0B1}" srcOrd="0" destOrd="1" presId="urn:microsoft.com/office/officeart/2005/8/layout/hProcess6"/>
+    <dgm:cxn modelId="{1154F16B-C563-41E2-BBDE-05B40F8DB3E7}" type="presOf" srcId="{BDF6F96D-F3E2-47B0-AB26-AC8CBE82A6AB}" destId="{12903540-770B-434E-9123-F1527AC023F4}" srcOrd="0" destOrd="3" presId="urn:microsoft.com/office/officeart/2005/8/layout/hProcess6"/>
+    <dgm:cxn modelId="{CD91094C-38B2-4851-A692-1D6141E82C16}" srcId="{933669B4-DB13-4B72-9F23-6CD39E9DA0EF}" destId="{E600B250-A99A-4745-A2B7-A0FEEA82F9B1}" srcOrd="2" destOrd="0" parTransId="{6B008D55-FB57-4A52-9238-38F2EF729B8A}" sibTransId="{25E889C0-871E-4D3F-95AA-1B94A9E725DD}"/>
+    <dgm:cxn modelId="{7AE62089-A687-45CD-8231-B4847F61E041}" srcId="{3074F38A-BA57-48B0-AF16-1037FA327B65}" destId="{00C50B6C-1254-45BA-B507-AD3D9873882A}" srcOrd="0" destOrd="0" parTransId="{04031336-3FB0-4285-92EC-7D231612E785}" sibTransId="{54CDAC6E-D139-431E-A406-4036BB42A978}"/>
+    <dgm:cxn modelId="{8105E594-3C1A-48BC-A160-7E675D40D2E8}" type="presOf" srcId="{933669B4-DB13-4B72-9F23-6CD39E9DA0EF}" destId="{12E3AB55-0DBA-4E91-AD8D-11749D3E26AA}" srcOrd="0" destOrd="0" presId="urn:microsoft.com/office/officeart/2005/8/layout/hProcess6"/>
+    <dgm:cxn modelId="{61EBD996-468D-4F30-8032-80A4C985770C}" type="presOf" srcId="{DC8670E5-E406-4536-9A53-0183156EE9FE}" destId="{12903540-770B-434E-9123-F1527AC023F4}" srcOrd="0" destOrd="1" presId="urn:microsoft.com/office/officeart/2005/8/layout/hProcess6"/>
+    <dgm:cxn modelId="{23C19898-13DA-4B3A-8336-9DBAE08489AA}" type="presOf" srcId="{CD002C12-BB78-4DDE-A389-87CF3BC44882}" destId="{6CC37553-531D-49B9-9373-F1C4F82EEAD3}" srcOrd="1" destOrd="4" presId="urn:microsoft.com/office/officeart/2005/8/layout/hProcess6"/>
+    <dgm:cxn modelId="{DF4DFC9F-5B4E-405E-9FA8-6927250E87E7}" srcId="{61185DBA-9CB1-487E-8372-D9E1A22574DD}" destId="{933669B4-DB13-4B72-9F23-6CD39E9DA0EF}" srcOrd="0" destOrd="0" parTransId="{FD5F9727-13EF-4CC5-9C33-AE1A2E02C1D4}" sibTransId="{7071F5E2-A795-4AAC-A8B3-57796A5FDECE}"/>
+    <dgm:cxn modelId="{5D96DBA8-34F0-4951-8422-FA122513A98B}" type="presOf" srcId="{E02907FF-51C1-4A16-A611-973018274456}" destId="{6CC37553-531D-49B9-9373-F1C4F82EEAD3}" srcOrd="1" destOrd="0" presId="urn:microsoft.com/office/officeart/2005/8/layout/hProcess6"/>
+    <dgm:cxn modelId="{F6BF28AC-5128-4C1A-AA9B-B860835C7170}" srcId="{61185DBA-9CB1-487E-8372-D9E1A22574DD}" destId="{3074F38A-BA57-48B0-AF16-1037FA327B65}" srcOrd="1" destOrd="0" parTransId="{9A5D3A6C-C051-459F-907B-652F71867A8E}" sibTransId="{7A5B192F-2DEA-4B6D-AB28-0ED537FE3E31}"/>
+    <dgm:cxn modelId="{6A056CAD-36C0-4E19-814B-FD2B5246EF90}" type="presOf" srcId="{CD002C12-BB78-4DDE-A389-87CF3BC44882}" destId="{12903540-770B-434E-9123-F1527AC023F4}" srcOrd="0" destOrd="4" presId="urn:microsoft.com/office/officeart/2005/8/layout/hProcess6"/>
+    <dgm:cxn modelId="{BDD1F4B3-06A9-4DA6-82FD-1CFDEEDC2AAC}" type="presOf" srcId="{F45E3A8E-9D55-4A16-9251-CB6C3AE48306}" destId="{B190F236-C09A-49F9-938F-DED4D6091FD0}" srcOrd="1" destOrd="2" presId="urn:microsoft.com/office/officeart/2005/8/layout/hProcess6"/>
+    <dgm:cxn modelId="{464107B6-3FB9-4EBC-AB35-84DA628890DF}" srcId="{933669B4-DB13-4B72-9F23-6CD39E9DA0EF}" destId="{249220BC-6A6D-47E3-AB69-73898A87DBCB}" srcOrd="5" destOrd="0" parTransId="{AB010DBF-9EA0-4B3C-BE12-F6946171290E}" sibTransId="{E60E4C16-EA49-4CD2-BE5B-05157F1301CB}"/>
+    <dgm:cxn modelId="{3007FBB6-48FD-41EA-BB70-5E2B83929C1B}" type="presOf" srcId="{3074F38A-BA57-48B0-AF16-1037FA327B65}" destId="{1AD8021D-20FE-4450-AA5B-C438005A71F6}" srcOrd="0" destOrd="0" presId="urn:microsoft.com/office/officeart/2005/8/layout/hProcess6"/>
+    <dgm:cxn modelId="{4B607AC1-52D0-4035-AFC8-A6AA82E40343}" srcId="{F64D8B6F-76CB-4250-8A68-7F7D82D02926}" destId="{93067960-04E2-4D0B-858D-F41897E5E133}" srcOrd="0" destOrd="0" parTransId="{8192EEC6-81BE-41B4-9C48-41B21A146C25}" sibTransId="{CD6A042E-4E50-4385-B365-03B84E219AFA}"/>
+    <dgm:cxn modelId="{95F814C2-DB79-4FFC-8CAB-625D493B7CAA}" srcId="{933669B4-DB13-4B72-9F23-6CD39E9DA0EF}" destId="{BDF6F96D-F3E2-47B0-AB26-AC8CBE82A6AB}" srcOrd="3" destOrd="0" parTransId="{C148A2A1-C5DE-4AC5-8CC1-29EDD860BAE0}" sibTransId="{1DF337AF-778C-4091-9182-64F837C80FEC}"/>
+    <dgm:cxn modelId="{787B16C3-AE02-4AAB-8D20-EB16BD27305D}" type="presOf" srcId="{E600B250-A99A-4745-A2B7-A0FEEA82F9B1}" destId="{12903540-770B-434E-9123-F1527AC023F4}" srcOrd="0" destOrd="2" presId="urn:microsoft.com/office/officeart/2005/8/layout/hProcess6"/>
+    <dgm:cxn modelId="{BF7886CA-F879-4C25-A203-57E5D29EB458}" type="presOf" srcId="{00C50B6C-1254-45BA-B507-AD3D9873882A}" destId="{AD481E0D-A3CC-48CC-B8FB-E4521F266393}" srcOrd="0" destOrd="0" presId="urn:microsoft.com/office/officeart/2005/8/layout/hProcess6"/>
+    <dgm:cxn modelId="{84D025CF-9368-4E10-8F6E-2751A1662A89}" srcId="{933669B4-DB13-4B72-9F23-6CD39E9DA0EF}" destId="{DC8670E5-E406-4536-9A53-0183156EE9FE}" srcOrd="1" destOrd="0" parTransId="{143881F4-5CE1-41F6-914D-545B61C9218F}" sibTransId="{D3B2E74A-13AA-4324-AE48-D11533F79256}"/>
+    <dgm:cxn modelId="{4338B2D3-40A0-4425-A588-F0D7D30CF605}" type="presOf" srcId="{93067960-04E2-4D0B-858D-F41897E5E133}" destId="{75F52B7E-A221-4FF9-8F64-4B2CED97A0B1}" srcOrd="0" destOrd="0" presId="urn:microsoft.com/office/officeart/2005/8/layout/hProcess6"/>
+    <dgm:cxn modelId="{9422EDD3-8E31-40AA-8A44-4F7431FC15CB}" type="presOf" srcId="{00C50B6C-1254-45BA-B507-AD3D9873882A}" destId="{37E7E204-99AB-4C9E-88C6-D8E9942AE400}" srcOrd="1" destOrd="0" presId="urn:microsoft.com/office/officeart/2005/8/layout/hProcess6"/>
+    <dgm:cxn modelId="{2876DADD-649C-4057-976E-1C4947E93039}" type="presOf" srcId="{E600B250-A99A-4745-A2B7-A0FEEA82F9B1}" destId="{6CC37553-531D-49B9-9373-F1C4F82EEAD3}" srcOrd="1" destOrd="2" presId="urn:microsoft.com/office/officeart/2005/8/layout/hProcess6"/>
+    <dgm:cxn modelId="{36D9E4F4-E106-4A5E-B9ED-33D937C09F0C}" type="presOf" srcId="{61185DBA-9CB1-487E-8372-D9E1A22574DD}" destId="{A2A67E1C-0C40-4126-8568-F5A773584B0C}" srcOrd="0" destOrd="0" presId="urn:microsoft.com/office/officeart/2005/8/layout/hProcess6"/>
+    <dgm:cxn modelId="{100828F6-2068-46A0-8F41-1CCC80CA00D2}" srcId="{F64D8B6F-76CB-4250-8A68-7F7D82D02926}" destId="{F45E3A8E-9D55-4A16-9251-CB6C3AE48306}" srcOrd="2" destOrd="0" parTransId="{02679F1A-3D1C-495C-8531-2B1A3E469CFB}" sibTransId="{F3269404-7F96-455E-B9FF-0F7968117312}"/>
+    <dgm:cxn modelId="{8F6BF1FB-B525-44DD-AD1F-EA918BC4291D}" type="presOf" srcId="{249220BC-6A6D-47E3-AB69-73898A87DBCB}" destId="{6CC37553-531D-49B9-9373-F1C4F82EEAD3}" srcOrd="1" destOrd="5" presId="urn:microsoft.com/office/officeart/2005/8/layout/hProcess6"/>
+    <dgm:cxn modelId="{2C0F6A63-7B9A-457F-A0CA-CC4B62DE177E}" type="presParOf" srcId="{A2A67E1C-0C40-4126-8568-F5A773584B0C}" destId="{B301459A-556E-4F08-88A3-57B6B67951B5}" srcOrd="0" destOrd="0" presId="urn:microsoft.com/office/officeart/2005/8/layout/hProcess6"/>
+    <dgm:cxn modelId="{2CF3F9A2-7A13-48A3-815E-8080DA841198}" type="presParOf" srcId="{B301459A-556E-4F08-88A3-57B6B67951B5}" destId="{CCF07A6E-E0EF-42C8-B853-41891163C34B}" srcOrd="0" destOrd="0" presId="urn:microsoft.com/office/officeart/2005/8/layout/hProcess6"/>
+    <dgm:cxn modelId="{DA905AFF-D62E-4E3D-AC42-B20B1DCF3038}" type="presParOf" srcId="{B301459A-556E-4F08-88A3-57B6B67951B5}" destId="{12903540-770B-434E-9123-F1527AC023F4}" srcOrd="1" destOrd="0" presId="urn:microsoft.com/office/officeart/2005/8/layout/hProcess6"/>
+    <dgm:cxn modelId="{9A184647-B83B-48B5-A643-92DC33549DCD}" type="presParOf" srcId="{B301459A-556E-4F08-88A3-57B6B67951B5}" destId="{6CC37553-531D-49B9-9373-F1C4F82EEAD3}" srcOrd="2" destOrd="0" presId="urn:microsoft.com/office/officeart/2005/8/layout/hProcess6"/>
+    <dgm:cxn modelId="{3B785308-1CA9-4236-BFD9-5BBA88DBB7B7}" type="presParOf" srcId="{B301459A-556E-4F08-88A3-57B6B67951B5}" destId="{12E3AB55-0DBA-4E91-AD8D-11749D3E26AA}" srcOrd="3" destOrd="0" presId="urn:microsoft.com/office/officeart/2005/8/layout/hProcess6"/>
+    <dgm:cxn modelId="{FDC8A509-13DD-40DB-A6A3-7088C5C9CD2A}" type="presParOf" srcId="{A2A67E1C-0C40-4126-8568-F5A773584B0C}" destId="{D15A49B8-2C08-4CAF-9C26-AB4B5CDD1D96}" srcOrd="1" destOrd="0" presId="urn:microsoft.com/office/officeart/2005/8/layout/hProcess6"/>
+    <dgm:cxn modelId="{DA095346-F83C-4E4D-ACA8-A13579CB4FE5}" type="presParOf" srcId="{A2A67E1C-0C40-4126-8568-F5A773584B0C}" destId="{F2C585D6-9889-4D0A-B174-1B9961F1692C}" srcOrd="2" destOrd="0" presId="urn:microsoft.com/office/officeart/2005/8/layout/hProcess6"/>
+    <dgm:cxn modelId="{F5B0F268-781A-4F8C-85ED-D638F12DF8D0}" type="presParOf" srcId="{F2C585D6-9889-4D0A-B174-1B9961F1692C}" destId="{4A709826-9A8C-4FB0-BE7E-03D8135D34EA}" srcOrd="0" destOrd="0" presId="urn:microsoft.com/office/officeart/2005/8/layout/hProcess6"/>
+    <dgm:cxn modelId="{3F7DC430-7441-486F-A634-19CAF36D5EDE}" type="presParOf" srcId="{F2C585D6-9889-4D0A-B174-1B9961F1692C}" destId="{AD481E0D-A3CC-48CC-B8FB-E4521F266393}" srcOrd="1" destOrd="0" presId="urn:microsoft.com/office/officeart/2005/8/layout/hProcess6"/>
+    <dgm:cxn modelId="{6DA46CEA-AD1F-4EB3-B835-2CB46677CBC9}" type="presParOf" srcId="{F2C585D6-9889-4D0A-B174-1B9961F1692C}" destId="{37E7E204-99AB-4C9E-88C6-D8E9942AE400}" srcOrd="2" destOrd="0" presId="urn:microsoft.com/office/officeart/2005/8/layout/hProcess6"/>
+    <dgm:cxn modelId="{6A71E81F-BACD-4332-A8A1-2B5169282B3B}" type="presParOf" srcId="{F2C585D6-9889-4D0A-B174-1B9961F1692C}" destId="{1AD8021D-20FE-4450-AA5B-C438005A71F6}" srcOrd="3" destOrd="0" presId="urn:microsoft.com/office/officeart/2005/8/layout/hProcess6"/>
+    <dgm:cxn modelId="{D91B0395-8D92-4771-A6B7-0F04C124C2B5}" type="presParOf" srcId="{A2A67E1C-0C40-4126-8568-F5A773584B0C}" destId="{A451F4D1-C01E-4C37-928F-F970D17CCFEC}" srcOrd="3" destOrd="0" presId="urn:microsoft.com/office/officeart/2005/8/layout/hProcess6"/>
+    <dgm:cxn modelId="{938D769F-28AC-464A-9580-7D3AF596ED31}" type="presParOf" srcId="{A2A67E1C-0C40-4126-8568-F5A773584B0C}" destId="{E8A41835-CE9A-4279-AC7C-5DF737BEF490}" srcOrd="4" destOrd="0" presId="urn:microsoft.com/office/officeart/2005/8/layout/hProcess6"/>
+    <dgm:cxn modelId="{6E2C813C-21C4-4BC3-A667-A9286543E504}" type="presParOf" srcId="{E8A41835-CE9A-4279-AC7C-5DF737BEF490}" destId="{8E582F24-189C-4F16-9F6C-1FB6AC8CC6EE}" srcOrd="0" destOrd="0" presId="urn:microsoft.com/office/officeart/2005/8/layout/hProcess6"/>
+    <dgm:cxn modelId="{798D9998-1F81-471B-AFA9-C3F500BC3D69}" type="presParOf" srcId="{E8A41835-CE9A-4279-AC7C-5DF737BEF490}" destId="{75F52B7E-A221-4FF9-8F64-4B2CED97A0B1}" srcOrd="1" destOrd="0" presId="urn:microsoft.com/office/officeart/2005/8/layout/hProcess6"/>
+    <dgm:cxn modelId="{8A25D6D4-6867-4D73-AB2C-958FDB8E8E40}" type="presParOf" srcId="{E8A41835-CE9A-4279-AC7C-5DF737BEF490}" destId="{B190F236-C09A-49F9-938F-DED4D6091FD0}" srcOrd="2" destOrd="0" presId="urn:microsoft.com/office/officeart/2005/8/layout/hProcess6"/>
+    <dgm:cxn modelId="{341523EA-21F9-4919-B9BF-4324A6BE6100}" type="presParOf" srcId="{E8A41835-CE9A-4279-AC7C-5DF737BEF490}" destId="{C3019CCA-2333-454C-8185-7D6261105BF5}" srcOrd="3" destOrd="0" presId="urn:microsoft.com/office/officeart/2005/8/layout/hProcess6"/>
+  </dgm:cxnLst>
+  <dgm:bg/>
+  <dgm:whole/>
+  <dgm:extLst>
+    <a:ext uri="http://schemas.microsoft.com/office/drawing/2008/diagram">
+      <dsp:dataModelExt xmlns:dsp="http://schemas.microsoft.com/office/drawing/2008/diagram" relId="rId6" minVer="http://schemas.openxmlformats.org/drawingml/2006/diagram"/>
+    </a:ext>
+  </dgm:extLst>
+</dgm:dataModel>
+</file>
+
+<file path=ppt/diagrams/drawing1.xml><?xml version="1.0" encoding="utf-8"?>
+<dsp:drawing xmlns:dgm="http://schemas.openxmlformats.org/drawingml/2006/diagram" xmlns:dsp="http://schemas.microsoft.com/office/drawing/2008/diagram" xmlns:a="http://schemas.openxmlformats.org/drawingml/2006/main">
+  <dsp:spTree>
+    <dsp:nvGrpSpPr>
+      <dsp:cNvPr id="0" name=""/>
+      <dsp:cNvGrpSpPr/>
+    </dsp:nvGrpSpPr>
+    <dsp:grpSpPr/>
+    <dsp:sp modelId="{12903540-770B-434E-9123-F1527AC023F4}">
+      <dsp:nvSpPr>
+        <dsp:cNvPr id="0" name=""/>
+        <dsp:cNvSpPr/>
+      </dsp:nvSpPr>
+      <dsp:spPr>
+        <a:xfrm>
+          <a:off x="499463" y="229141"/>
+          <a:ext cx="1982832" cy="1733245"/>
+        </a:xfrm>
+        <a:prstGeom prst="rightArrow">
+          <a:avLst>
+            <a:gd name="adj1" fmla="val 70000"/>
+            <a:gd name="adj2" fmla="val 50000"/>
+          </a:avLst>
+        </a:prstGeom>
+        <a:solidFill>
+          <a:schemeClr val="accent5">
+            <a:tint val="40000"/>
+            <a:alpha val="90000"/>
+            <a:hueOff val="0"/>
+            <a:satOff val="0"/>
+            <a:lumOff val="0"/>
+            <a:alphaOff val="0"/>
+          </a:schemeClr>
+        </a:solidFill>
+        <a:ln w="12700" cap="flat" cmpd="sng" algn="ctr">
+          <a:solidFill>
+            <a:schemeClr val="accent5">
+              <a:tint val="40000"/>
+              <a:alpha val="90000"/>
+              <a:hueOff val="0"/>
+              <a:satOff val="0"/>
+              <a:lumOff val="0"/>
+              <a:alphaOff val="0"/>
+            </a:schemeClr>
+          </a:solidFill>
+          <a:prstDash val="solid"/>
+          <a:miter lim="800000"/>
+        </a:ln>
+        <a:effectLst/>
+      </dsp:spPr>
+      <dsp:style>
+        <a:lnRef idx="2">
+          <a:scrgbClr r="0" g="0" b="0"/>
+        </a:lnRef>
+        <a:fillRef idx="1">
+          <a:scrgbClr r="0" g="0" b="0"/>
+        </a:fillRef>
+        <a:effectRef idx="0">
+          <a:scrgbClr r="0" g="0" b="0"/>
+        </a:effectRef>
+        <a:fontRef idx="minor"/>
+      </dsp:style>
+      <dsp:txBody>
+        <a:bodyPr spcFirstLastPara="0" vert="horz" wrap="square" lIns="20320" tIns="5080" rIns="10160" bIns="5080" numCol="1" spcCol="1270" anchor="ctr" anchorCtr="0">
+          <a:noAutofit/>
+        </a:bodyPr>
+        <a:lstStyle/>
+        <a:p>
+          <a:pPr marL="57150" lvl="1" indent="-57150" algn="l" defTabSz="355600">
+            <a:lnSpc>
+              <a:spcPct val="90000"/>
+            </a:lnSpc>
+            <a:spcBef>
+              <a:spcPct val="0"/>
+            </a:spcBef>
+            <a:spcAft>
+              <a:spcPct val="15000"/>
+            </a:spcAft>
+            <a:buChar char="•"/>
+          </a:pPr>
+          <a:r>
+            <a:rPr lang="en-US" sz="800" kern="1200"/>
+            <a:t>OpenGround</a:t>
+          </a:r>
+        </a:p>
+        <a:p>
+          <a:pPr marL="57150" lvl="1" indent="-57150" algn="l" defTabSz="355600">
+            <a:lnSpc>
+              <a:spcPct val="90000"/>
+            </a:lnSpc>
+            <a:spcBef>
+              <a:spcPct val="0"/>
+            </a:spcBef>
+            <a:spcAft>
+              <a:spcPct val="15000"/>
+            </a:spcAft>
+            <a:buChar char="•"/>
+          </a:pPr>
+          <a:r>
+            <a:rPr lang="en-US" sz="800" kern="1200"/>
+            <a:t>MIDAS</a:t>
+          </a:r>
+        </a:p>
+        <a:p>
+          <a:pPr marL="57150" lvl="1" indent="-57150" algn="l" defTabSz="355600">
+            <a:lnSpc>
+              <a:spcPct val="90000"/>
+            </a:lnSpc>
+            <a:spcBef>
+              <a:spcPct val="0"/>
+            </a:spcBef>
+            <a:spcAft>
+              <a:spcPct val="15000"/>
+            </a:spcAft>
+            <a:buChar char="•"/>
+          </a:pPr>
+          <a:r>
+            <a:rPr lang="en-US" sz="800" kern="1200"/>
+            <a:t>EM Pumps</a:t>
+          </a:r>
+        </a:p>
+        <a:p>
+          <a:pPr marL="57150" lvl="1" indent="-57150" algn="l" defTabSz="355600">
+            <a:lnSpc>
+              <a:spcPct val="90000"/>
+            </a:lnSpc>
+            <a:spcBef>
+              <a:spcPct val="0"/>
+            </a:spcBef>
+            <a:spcAft>
+              <a:spcPct val="15000"/>
+            </a:spcAft>
+            <a:buChar char="•"/>
+          </a:pPr>
+          <a:r>
+            <a:rPr lang="en-US" sz="800" kern="1200"/>
+            <a:t>e-Risk</a:t>
+          </a:r>
+        </a:p>
+        <a:p>
+          <a:pPr marL="57150" lvl="1" indent="-57150" algn="l" defTabSz="355600">
+            <a:lnSpc>
+              <a:spcPct val="90000"/>
+            </a:lnSpc>
+            <a:spcBef>
+              <a:spcPct val="0"/>
+            </a:spcBef>
+            <a:spcAft>
+              <a:spcPct val="15000"/>
+            </a:spcAft>
+            <a:buChar char="•"/>
+          </a:pPr>
+          <a:r>
+            <a:rPr lang="en-US" sz="800" kern="1200" dirty="0"/>
+            <a:t>BRIP</a:t>
+          </a:r>
+        </a:p>
+        <a:p>
+          <a:pPr marL="57150" lvl="1" indent="-57150" algn="l" defTabSz="355600">
+            <a:lnSpc>
+              <a:spcPct val="90000"/>
+            </a:lnSpc>
+            <a:spcBef>
+              <a:spcPct val="0"/>
+            </a:spcBef>
+            <a:spcAft>
+              <a:spcPct val="15000"/>
+            </a:spcAft>
+            <a:buChar char="•"/>
+          </a:pPr>
+          <a:r>
+            <a:rPr lang="en-US" sz="800" kern="1200" dirty="0"/>
+            <a:t>River Gauges</a:t>
+          </a:r>
+        </a:p>
+      </dsp:txBody>
+      <dsp:txXfrm>
+        <a:off x="995171" y="489128"/>
+        <a:ext cx="966631" cy="1213271"/>
+      </dsp:txXfrm>
+    </dsp:sp>
+    <dsp:sp modelId="{12E3AB55-0DBA-4E91-AD8D-11749D3E26AA}">
+      <dsp:nvSpPr>
+        <dsp:cNvPr id="0" name=""/>
+        <dsp:cNvSpPr/>
+      </dsp:nvSpPr>
+      <dsp:spPr>
+        <a:xfrm>
+          <a:off x="3755" y="600055"/>
+          <a:ext cx="991416" cy="991416"/>
+        </a:xfrm>
+        <a:prstGeom prst="ellipse">
+          <a:avLst/>
+        </a:prstGeom>
+        <a:solidFill>
+          <a:schemeClr val="accent5">
+            <a:hueOff val="0"/>
+            <a:satOff val="0"/>
+            <a:lumOff val="0"/>
+            <a:alphaOff val="0"/>
+          </a:schemeClr>
+        </a:solidFill>
+        <a:ln w="12700" cap="flat" cmpd="sng" algn="ctr">
+          <a:solidFill>
+            <a:schemeClr val="lt1">
+              <a:hueOff val="0"/>
+              <a:satOff val="0"/>
+              <a:lumOff val="0"/>
+              <a:alphaOff val="0"/>
+            </a:schemeClr>
+          </a:solidFill>
+          <a:prstDash val="solid"/>
+          <a:miter lim="800000"/>
+        </a:ln>
+        <a:effectLst/>
+      </dsp:spPr>
+      <dsp:style>
+        <a:lnRef idx="2">
+          <a:scrgbClr r="0" g="0" b="0"/>
+        </a:lnRef>
+        <a:fillRef idx="1">
+          <a:scrgbClr r="0" g="0" b="0"/>
+        </a:fillRef>
+        <a:effectRef idx="0">
+          <a:scrgbClr r="0" g="0" b="0"/>
+        </a:effectRef>
+        <a:fontRef idx="minor">
+          <a:schemeClr val="lt1"/>
+        </a:fontRef>
+      </dsp:style>
+      <dsp:txBody>
+        <a:bodyPr spcFirstLastPara="0" vert="horz" wrap="square" lIns="5715" tIns="5715" rIns="5715" bIns="5715" numCol="1" spcCol="1270" anchor="ctr" anchorCtr="0">
+          <a:noAutofit/>
+        </a:bodyPr>
+        <a:lstStyle/>
+        <a:p>
+          <a:pPr marL="0" lvl="0" indent="0" algn="ctr" defTabSz="400050">
+            <a:lnSpc>
+              <a:spcPct val="90000"/>
+            </a:lnSpc>
+            <a:spcBef>
+              <a:spcPct val="0"/>
+            </a:spcBef>
+            <a:spcAft>
+              <a:spcPct val="35000"/>
+            </a:spcAft>
+            <a:buNone/>
+          </a:pPr>
+          <a:r>
+            <a:rPr lang="en-US" sz="900" kern="1200"/>
+            <a:t>DATA</a:t>
+          </a:r>
+        </a:p>
+      </dsp:txBody>
+      <dsp:txXfrm>
+        <a:off x="148945" y="745245"/>
+        <a:ext cx="701036" cy="701036"/>
+      </dsp:txXfrm>
+    </dsp:sp>
+    <dsp:sp modelId="{AD481E0D-A3CC-48CC-B8FB-E4521F266393}">
+      <dsp:nvSpPr>
+        <dsp:cNvPr id="0" name=""/>
+        <dsp:cNvSpPr/>
+      </dsp:nvSpPr>
+      <dsp:spPr>
+        <a:xfrm>
+          <a:off x="3101930" y="229141"/>
+          <a:ext cx="1982832" cy="1733245"/>
+        </a:xfrm>
+        <a:prstGeom prst="rightArrow">
+          <a:avLst>
+            <a:gd name="adj1" fmla="val 70000"/>
+            <a:gd name="adj2" fmla="val 50000"/>
+          </a:avLst>
+        </a:prstGeom>
+        <a:solidFill>
+          <a:schemeClr val="accent5">
+            <a:tint val="40000"/>
+            <a:alpha val="90000"/>
+            <a:hueOff val="-3369881"/>
+            <a:satOff val="-11416"/>
+            <a:lumOff val="-1464"/>
+            <a:alphaOff val="0"/>
+          </a:schemeClr>
+        </a:solidFill>
+        <a:ln w="12700" cap="flat" cmpd="sng" algn="ctr">
+          <a:solidFill>
+            <a:schemeClr val="accent5">
+              <a:tint val="40000"/>
+              <a:alpha val="90000"/>
+              <a:hueOff val="-3369881"/>
+              <a:satOff val="-11416"/>
+              <a:lumOff val="-1464"/>
+              <a:alphaOff val="0"/>
+            </a:schemeClr>
+          </a:solidFill>
+          <a:prstDash val="solid"/>
+          <a:miter lim="800000"/>
+        </a:ln>
+        <a:effectLst/>
+      </dsp:spPr>
+      <dsp:style>
+        <a:lnRef idx="2">
+          <a:scrgbClr r="0" g="0" b="0"/>
+        </a:lnRef>
+        <a:fillRef idx="1">
+          <a:scrgbClr r="0" g="0" b="0"/>
+        </a:fillRef>
+        <a:effectRef idx="0">
+          <a:scrgbClr r="0" g="0" b="0"/>
+        </a:effectRef>
+        <a:fontRef idx="minor"/>
+      </dsp:style>
+      <dsp:txBody>
+        <a:bodyPr spcFirstLastPara="0" vert="horz" wrap="square" lIns="20320" tIns="5080" rIns="10160" bIns="5080" numCol="1" spcCol="1270" anchor="ctr" anchorCtr="0">
+          <a:noAutofit/>
+        </a:bodyPr>
+        <a:lstStyle/>
+        <a:p>
+          <a:pPr marL="0" lvl="0" indent="0" algn="ctr" defTabSz="355600">
+            <a:lnSpc>
+              <a:spcPct val="90000"/>
+            </a:lnSpc>
+            <a:spcBef>
+              <a:spcPct val="0"/>
+            </a:spcBef>
+            <a:spcAft>
+              <a:spcPct val="35000"/>
+            </a:spcAft>
+            <a:buNone/>
+          </a:pPr>
+          <a:r>
+            <a:rPr lang="en-US" sz="800" kern="1200"/>
+            <a:t>Koop Providers</a:t>
+          </a:r>
+        </a:p>
+      </dsp:txBody>
+      <dsp:txXfrm>
+        <a:off x="3597638" y="489128"/>
+        <a:ext cx="966631" cy="1213271"/>
+      </dsp:txXfrm>
+    </dsp:sp>
+    <dsp:sp modelId="{1AD8021D-20FE-4450-AA5B-C438005A71F6}">
+      <dsp:nvSpPr>
+        <dsp:cNvPr id="0" name=""/>
+        <dsp:cNvSpPr/>
+      </dsp:nvSpPr>
+      <dsp:spPr>
+        <a:xfrm>
+          <a:off x="2606222" y="600055"/>
+          <a:ext cx="991416" cy="991416"/>
+        </a:xfrm>
+        <a:prstGeom prst="ellipse">
+          <a:avLst/>
+        </a:prstGeom>
+        <a:solidFill>
+          <a:schemeClr val="accent5">
+            <a:hueOff val="-3379271"/>
+            <a:satOff val="-8710"/>
+            <a:lumOff val="-5883"/>
+            <a:alphaOff val="0"/>
+          </a:schemeClr>
+        </a:solidFill>
+        <a:ln w="12700" cap="flat" cmpd="sng" algn="ctr">
+          <a:solidFill>
+            <a:schemeClr val="lt1">
+              <a:hueOff val="0"/>
+              <a:satOff val="0"/>
+              <a:lumOff val="0"/>
+              <a:alphaOff val="0"/>
+            </a:schemeClr>
+          </a:solidFill>
+          <a:prstDash val="solid"/>
+          <a:miter lim="800000"/>
+        </a:ln>
+        <a:effectLst/>
+      </dsp:spPr>
+      <dsp:style>
+        <a:lnRef idx="2">
+          <a:scrgbClr r="0" g="0" b="0"/>
+        </a:lnRef>
+        <a:fillRef idx="1">
+          <a:scrgbClr r="0" g="0" b="0"/>
+        </a:fillRef>
+        <a:effectRef idx="0">
+          <a:scrgbClr r="0" g="0" b="0"/>
+        </a:effectRef>
+        <a:fontRef idx="minor">
+          <a:schemeClr val="lt1"/>
+        </a:fontRef>
+      </dsp:style>
+      <dsp:txBody>
+        <a:bodyPr spcFirstLastPara="0" vert="horz" wrap="square" lIns="5715" tIns="5715" rIns="5715" bIns="5715" numCol="1" spcCol="1270" anchor="ctr" anchorCtr="0">
+          <a:noAutofit/>
+        </a:bodyPr>
+        <a:lstStyle/>
+        <a:p>
+          <a:pPr marL="0" lvl="0" indent="0" algn="ctr" defTabSz="400050">
+            <a:lnSpc>
+              <a:spcPct val="90000"/>
+            </a:lnSpc>
+            <a:spcBef>
+              <a:spcPct val="0"/>
+            </a:spcBef>
+            <a:spcAft>
+              <a:spcPct val="35000"/>
+            </a:spcAft>
+            <a:buNone/>
+          </a:pPr>
+          <a:r>
+            <a:rPr lang="en-US" sz="900" kern="1200"/>
+            <a:t>TRANSLATION</a:t>
+          </a:r>
+        </a:p>
+      </dsp:txBody>
+      <dsp:txXfrm>
+        <a:off x="2751412" y="745245"/>
+        <a:ext cx="701036" cy="701036"/>
+      </dsp:txXfrm>
+    </dsp:sp>
+    <dsp:sp modelId="{75F52B7E-A221-4FF9-8F64-4B2CED97A0B1}">
+      <dsp:nvSpPr>
+        <dsp:cNvPr id="0" name=""/>
+        <dsp:cNvSpPr/>
+      </dsp:nvSpPr>
+      <dsp:spPr>
+        <a:xfrm>
+          <a:off x="5704398" y="229141"/>
+          <a:ext cx="1982832" cy="1733245"/>
+        </a:xfrm>
+        <a:prstGeom prst="rightArrow">
+          <a:avLst>
+            <a:gd name="adj1" fmla="val 70000"/>
+            <a:gd name="adj2" fmla="val 50000"/>
+          </a:avLst>
+        </a:prstGeom>
+        <a:solidFill>
+          <a:schemeClr val="accent5">
+            <a:tint val="40000"/>
+            <a:alpha val="90000"/>
+            <a:hueOff val="-6739762"/>
+            <a:satOff val="-22832"/>
+            <a:lumOff val="-2928"/>
+            <a:alphaOff val="0"/>
+          </a:schemeClr>
+        </a:solidFill>
+        <a:ln w="12700" cap="flat" cmpd="sng" algn="ctr">
+          <a:solidFill>
+            <a:schemeClr val="accent5">
+              <a:tint val="40000"/>
+              <a:alpha val="90000"/>
+              <a:hueOff val="-6739762"/>
+              <a:satOff val="-22832"/>
+              <a:lumOff val="-2928"/>
+              <a:alphaOff val="0"/>
+            </a:schemeClr>
+          </a:solidFill>
+          <a:prstDash val="solid"/>
+          <a:miter lim="800000"/>
+        </a:ln>
+        <a:effectLst/>
+      </dsp:spPr>
+      <dsp:style>
+        <a:lnRef idx="2">
+          <a:scrgbClr r="0" g="0" b="0"/>
+        </a:lnRef>
+        <a:fillRef idx="1">
+          <a:scrgbClr r="0" g="0" b="0"/>
+        </a:fillRef>
+        <a:effectRef idx="0">
+          <a:scrgbClr r="0" g="0" b="0"/>
+        </a:effectRef>
+        <a:fontRef idx="minor"/>
+      </dsp:style>
+      <dsp:txBody>
+        <a:bodyPr spcFirstLastPara="0" vert="horz" wrap="square" lIns="20320" tIns="5080" rIns="10160" bIns="5080" numCol="1" spcCol="1270" anchor="ctr" anchorCtr="0">
+          <a:noAutofit/>
+        </a:bodyPr>
+        <a:lstStyle/>
+        <a:p>
+          <a:pPr marL="57150" lvl="1" indent="-57150" algn="l" defTabSz="355600">
+            <a:lnSpc>
+              <a:spcPct val="90000"/>
+            </a:lnSpc>
+            <a:spcBef>
+              <a:spcPct val="0"/>
+            </a:spcBef>
+            <a:spcAft>
+              <a:spcPct val="15000"/>
+            </a:spcAft>
+            <a:buChar char="•"/>
+          </a:pPr>
+          <a:r>
+            <a:rPr lang="en-US" sz="800" kern="1200" dirty="0"/>
+            <a:t>AGOL</a:t>
+          </a:r>
+        </a:p>
+        <a:p>
+          <a:pPr marL="57150" lvl="1" indent="-57150" algn="l" defTabSz="355600">
+            <a:lnSpc>
+              <a:spcPct val="90000"/>
+            </a:lnSpc>
+            <a:spcBef>
+              <a:spcPct val="0"/>
+            </a:spcBef>
+            <a:spcAft>
+              <a:spcPct val="15000"/>
+            </a:spcAft>
+            <a:buChar char="•"/>
+          </a:pPr>
+          <a:r>
+            <a:rPr lang="en-US" sz="800" kern="1200"/>
+            <a:t>R/Shiny/Rmd</a:t>
+          </a:r>
+        </a:p>
+        <a:p>
+          <a:pPr marL="57150" lvl="1" indent="-57150" algn="l" defTabSz="355600">
+            <a:lnSpc>
+              <a:spcPct val="90000"/>
+            </a:lnSpc>
+            <a:spcBef>
+              <a:spcPct val="0"/>
+            </a:spcBef>
+            <a:spcAft>
+              <a:spcPct val="15000"/>
+            </a:spcAft>
+            <a:buChar char="•"/>
+          </a:pPr>
+          <a:r>
+            <a:rPr lang="en-US" sz="800" kern="1200"/>
+            <a:t>Qlik/Tableau/Power BI</a:t>
+          </a:r>
+        </a:p>
+      </dsp:txBody>
+      <dsp:txXfrm>
+        <a:off x="6200106" y="489128"/>
+        <a:ext cx="966631" cy="1213271"/>
+      </dsp:txXfrm>
+    </dsp:sp>
+    <dsp:sp modelId="{C3019CCA-2333-454C-8185-7D6261105BF5}">
+      <dsp:nvSpPr>
+        <dsp:cNvPr id="0" name=""/>
+        <dsp:cNvSpPr/>
+      </dsp:nvSpPr>
+      <dsp:spPr>
+        <a:xfrm>
+          <a:off x="5208690" y="600055"/>
+          <a:ext cx="991416" cy="991416"/>
+        </a:xfrm>
+        <a:prstGeom prst="ellipse">
+          <a:avLst/>
+        </a:prstGeom>
+        <a:solidFill>
+          <a:schemeClr val="accent5">
+            <a:hueOff val="-6758543"/>
+            <a:satOff val="-17419"/>
+            <a:lumOff val="-11765"/>
+            <a:alphaOff val="0"/>
+          </a:schemeClr>
+        </a:solidFill>
+        <a:ln w="12700" cap="flat" cmpd="sng" algn="ctr">
+          <a:solidFill>
+            <a:schemeClr val="lt1">
+              <a:hueOff val="0"/>
+              <a:satOff val="0"/>
+              <a:lumOff val="0"/>
+              <a:alphaOff val="0"/>
+            </a:schemeClr>
+          </a:solidFill>
+          <a:prstDash val="solid"/>
+          <a:miter lim="800000"/>
+        </a:ln>
+        <a:effectLst/>
+      </dsp:spPr>
+      <dsp:style>
+        <a:lnRef idx="2">
+          <a:scrgbClr r="0" g="0" b="0"/>
+        </a:lnRef>
+        <a:fillRef idx="1">
+          <a:scrgbClr r="0" g="0" b="0"/>
+        </a:fillRef>
+        <a:effectRef idx="0">
+          <a:scrgbClr r="0" g="0" b="0"/>
+        </a:effectRef>
+        <a:fontRef idx="minor">
+          <a:schemeClr val="lt1"/>
+        </a:fontRef>
+      </dsp:style>
+      <dsp:txBody>
+        <a:bodyPr spcFirstLastPara="0" vert="horz" wrap="square" lIns="5715" tIns="5715" rIns="5715" bIns="5715" numCol="1" spcCol="1270" anchor="ctr" anchorCtr="0">
+          <a:noAutofit/>
+        </a:bodyPr>
+        <a:lstStyle/>
+        <a:p>
+          <a:pPr marL="0" lvl="0" indent="0" algn="ctr" defTabSz="400050">
+            <a:lnSpc>
+              <a:spcPct val="90000"/>
+            </a:lnSpc>
+            <a:spcBef>
+              <a:spcPct val="0"/>
+            </a:spcBef>
+            <a:spcAft>
+              <a:spcPct val="35000"/>
+            </a:spcAft>
+            <a:buNone/>
+          </a:pPr>
+          <a:r>
+            <a:rPr lang="en-US" sz="900" kern="1200"/>
+            <a:t>REPORTING</a:t>
+          </a:r>
+        </a:p>
+      </dsp:txBody>
+      <dsp:txXfrm>
+        <a:off x="5353880" y="745245"/>
+        <a:ext cx="701036" cy="701036"/>
+      </dsp:txXfrm>
+    </dsp:sp>
+  </dsp:spTree>
+</dsp:drawing>
+</file>
+
+<file path=ppt/diagrams/layout1.xml><?xml version="1.0" encoding="utf-8"?>
+<dgm:layoutDef xmlns:dgm="http://schemas.openxmlformats.org/drawingml/2006/diagram" xmlns:a="http://schemas.openxmlformats.org/drawingml/2006/main" uniqueId="urn:microsoft.com/office/officeart/2005/8/layout/hProcess6">
+  <dgm:title val=""/>
+  <dgm:desc val=""/>
+  <dgm:catLst>
+    <dgm:cat type="process" pri="7000"/>
+  </dgm:catLst>
+  <dgm:sampData>
+    <dgm:dataModel>
+      <dgm:ptLst>
+        <dgm:pt modelId="0" type="doc"/>
+        <dgm:pt modelId="1">
+          <dgm:prSet phldr="1"/>
+        </dgm:pt>
+        <dgm:pt modelId="11">
+          <dgm:prSet phldr="1"/>
+        </dgm:pt>
+        <dgm:pt modelId="12">
+          <dgm:prSet phldr="1"/>
+        </dgm:pt>
+        <dgm:pt modelId="2">
+          <dgm:prSet phldr="1"/>
+        </dgm:pt>
+        <dgm:pt modelId="21">
+          <dgm:prSet phldr="1"/>
+        </dgm:pt>
+        <dgm:pt modelId="22">
+          <dgm:prSet phldr="1"/>
+        </dgm:pt>
+        <dgm:pt modelId="3">
+          <dgm:prSet phldr="1"/>
+        </dgm:pt>
+        <dgm:pt modelId="31">
+          <dgm:prSet phldr="1"/>
+        </dgm:pt>
+        <dgm:pt modelId="32">
+          <dgm:prSet phldr="1"/>
+        </dgm:pt>
+      </dgm:ptLst>
+      <dgm:cxnLst>
+        <dgm:cxn modelId="4" srcId="0" destId="1" srcOrd="0" destOrd="0"/>
+        <dgm:cxn modelId="5" srcId="0" destId="2" srcOrd="1" destOrd="0"/>
+        <dgm:cxn modelId="13" srcId="1" destId="11" srcOrd="0" destOrd="0"/>
+        <dgm:cxn modelId="14" srcId="1" destId="12" srcOrd="0" destOrd="0"/>
+        <dgm:cxn modelId="23" srcId="2" destId="21" srcOrd="0" destOrd="0"/>
+        <dgm:cxn modelId="24" srcId="2" destId="22" srcOrd="0" destOrd="0"/>
+        <dgm:cxn modelId="33" srcId="3" destId="31" srcOrd="0" destOrd="0"/>
+        <dgm:cxn modelId="34" srcId="3" destId="32" srcOrd="0" destOrd="0"/>
+      </dgm:cxnLst>
+      <dgm:bg/>
+      <dgm:whole/>
+    </dgm:dataModel>
+  </dgm:sampData>
+  <dgm:styleData>
+    <dgm:dataModel>
+      <dgm:ptLst>
+        <dgm:pt modelId="0" type="doc"/>
+        <dgm:pt modelId="1"/>
+        <dgm:pt modelId="11"/>
+        <dgm:pt modelId="2"/>
+        <dgm:pt modelId="21"/>
+      </dgm:ptLst>
+      <dgm:cxnLst>
+        <dgm:cxn modelId="4" srcId="0" destId="1" srcOrd="0" destOrd="0"/>
+        <dgm:cxn modelId="5" srcId="0" destId="2" srcOrd="1" destOrd="0"/>
+        <dgm:cxn modelId="13" srcId="1" destId="11" srcOrd="0" destOrd="0"/>
+        <dgm:cxn modelId="23" srcId="2" destId="21" srcOrd="0" destOrd="0"/>
+      </dgm:cxnLst>
+      <dgm:bg/>
+      <dgm:whole/>
+    </dgm:dataModel>
+  </dgm:styleData>
+  <dgm:clrData>
+    <dgm:dataModel>
+      <dgm:ptLst>
+        <dgm:pt modelId="0" type="doc"/>
+        <dgm:pt modelId="1"/>
+        <dgm:pt modelId="11"/>
+        <dgm:pt modelId="2"/>
+        <dgm:pt modelId="21"/>
+        <dgm:pt modelId="3"/>
+        <dgm:pt modelId="31"/>
+        <dgm:pt modelId="4"/>
+        <dgm:pt modelId="41"/>
+      </dgm:ptLst>
+      <dgm:cxnLst>
+        <dgm:cxn modelId="5" srcId="0" destId="1" srcOrd="0" destOrd="0"/>
+        <dgm:cxn modelId="6" srcId="0" destId="2" srcOrd="1" destOrd="0"/>
+        <dgm:cxn modelId="7" srcId="0" destId="3" srcOrd="2" destOrd="0"/>
+        <dgm:cxn modelId="8" srcId="0" destId="4" srcOrd="3" destOrd="0"/>
+        <dgm:cxn modelId="13" srcId="1" destId="11" srcOrd="0" destOrd="0"/>
+        <dgm:cxn modelId="23" srcId="2" destId="21" srcOrd="0" destOrd="0"/>
+        <dgm:cxn modelId="33" srcId="3" destId="31" srcOrd="0" destOrd="0"/>
+        <dgm:cxn modelId="43" srcId="4" destId="41" srcOrd="0" destOrd="0"/>
+      </dgm:cxnLst>
+      <dgm:bg/>
+      <dgm:whole/>
+    </dgm:dataModel>
+  </dgm:clrData>
+  <dgm:layoutNode name="theList">
+    <dgm:varLst>
+      <dgm:dir/>
+      <dgm:animLvl val="lvl"/>
+      <dgm:resizeHandles val="exact"/>
+    </dgm:varLst>
+    <dgm:choose name="Name0">
+      <dgm:if name="Name1" func="var" arg="dir" op="equ" val="norm">
+        <dgm:alg type="lin">
+          <dgm:param type="linDir" val="fromL"/>
+          <dgm:param type="nodeHorzAlign" val="l"/>
+        </dgm:alg>
+      </dgm:if>
+      <dgm:else name="Name2">
+        <dgm:alg type="lin">
+          <dgm:param type="linDir" val="fromR"/>
+          <dgm:param type="nodeHorzAlign" val="r"/>
+        </dgm:alg>
+      </dgm:else>
+    </dgm:choose>
+    <dgm:shape xmlns:r="http://schemas.openxmlformats.org/officeDocument/2006/relationships" r:blip="">
+      <dgm:adjLst/>
+    </dgm:shape>
+    <dgm:presOf/>
+    <dgm:constrLst>
+      <dgm:constr type="w" for="ch" forName="compNode" refType="w"/>
+      <dgm:constr type="h" for="ch" forName="compNode" refType="w" refFor="ch" refForName="compNode" fact="0.7"/>
+      <dgm:constr type="ctrY" for="ch" forName="compNode" refType="h" fact="0.5"/>
+      <dgm:constr type="w" for="ch" forName="aSpace" refType="w" fact="0.05"/>
+      <dgm:constr type="primFontSz" for="des" forName="childTextHidden" op="equ" val="65"/>
+      <dgm:constr type="primFontSz" for="des" forName="parentText" op="equ"/>
+    </dgm:constrLst>
+    <dgm:ruleLst/>
+    <dgm:forEach name="aNodeForEach" axis="ch" ptType="node">
+      <dgm:layoutNode name="compNode">
+        <dgm:alg type="composite">
+          <dgm:param type="ar" val="1.43"/>
+        </dgm:alg>
+        <dgm:shape xmlns:r="http://schemas.openxmlformats.org/officeDocument/2006/relationships" r:blip="">
+          <dgm:adjLst/>
+        </dgm:shape>
+        <dgm:presOf/>
+        <dgm:choose name="Name3">
+          <dgm:if name="Name4" func="var" arg="dir" op="equ" val="norm">
+            <dgm:constrLst>
+              <dgm:constr type="w" for="ch" forName="childTextVisible" refType="w" fact="0.8"/>
+              <dgm:constr type="h" for="ch" forName="childTextVisible" refType="h"/>
+              <dgm:constr type="r" for="ch" forName="childTextVisible" refType="w"/>
+              <dgm:constr type="w" for="ch" forName="childTextHidden" refType="w" fact="0.6"/>
+              <dgm:constr type="h" for="ch" forName="childTextHidden" refType="h"/>
+              <dgm:constr type="r" for="ch" forName="childTextHidden" refType="w"/>
+              <dgm:constr type="l" for="ch" forName="parentText"/>
+              <dgm:constr type="w" for="ch" forName="parentText" refType="w" fact="0.4"/>
+              <dgm:constr type="h" for="ch" forName="parentText" refType="w" refFor="ch" refForName="parentText" op="equ"/>
+              <dgm:constr type="ctrY" for="ch" forName="parentText" refType="h" fact="0.5"/>
+            </dgm:constrLst>
+          </dgm:if>
+          <dgm:else name="Name5">
+            <dgm:constrLst>
+              <dgm:constr type="w" for="ch" forName="childTextVisible" refType="w" fact="0.8"/>
+              <dgm:constr type="h" for="ch" forName="childTextVisible" refType="h"/>
+              <dgm:constr type="l" for="ch" forName="childTextVisible"/>
+              <dgm:constr type="w" for="ch" forName="childTextHidden" refType="w" fact="0.6"/>
+              <dgm:constr type="h" for="ch" forName="childTextHidden" refType="h"/>
+              <dgm:constr type="l" for="ch" forName="childTextHidden"/>
+              <dgm:constr type="r" for="ch" forName="parentText" refType="w"/>
+              <dgm:constr type="w" for="ch" forName="parentText" refType="w" fact="0.4"/>
+              <dgm:constr type="h" for="ch" forName="parentText" refType="w" refFor="ch" refForName="parentText" op="equ"/>
+              <dgm:constr type="ctrY" for="ch" forName="parentText" refType="h" fact="0.5"/>
+            </dgm:constrLst>
+          </dgm:else>
+        </dgm:choose>
+        <dgm:ruleLst/>
+        <dgm:layoutNode name="noGeometry">
+          <dgm:alg type="sp"/>
+          <dgm:shape xmlns:r="http://schemas.openxmlformats.org/officeDocument/2006/relationships" r:blip="">
+            <dgm:adjLst/>
+          </dgm:shape>
+          <dgm:presOf/>
+          <dgm:constrLst/>
+          <dgm:ruleLst/>
+        </dgm:layoutNode>
+        <dgm:layoutNode name="childTextVisible" styleLbl="bgAccFollowNode1">
+          <dgm:varLst>
+            <dgm:bulletEnabled val="1"/>
+          </dgm:varLst>
+          <dgm:alg type="sp"/>
+          <dgm:choose name="Name6">
+            <dgm:if name="Name7" func="var" arg="dir" op="equ" val="norm">
+              <dgm:shape xmlns:r="http://schemas.openxmlformats.org/officeDocument/2006/relationships" type="rightArrow" r:blip="">
+                <dgm:adjLst>
+                  <dgm:adj idx="1" val="0.7"/>
+                  <dgm:adj idx="2" val="0.5"/>
+                </dgm:adjLst>
+              </dgm:shape>
+            </dgm:if>
+            <dgm:else name="Name8">
+              <dgm:shape xmlns:r="http://schemas.openxmlformats.org/officeDocument/2006/relationships" type="leftArrow" r:blip="">
+                <dgm:adjLst>
+                  <dgm:adj idx="1" val="0.7"/>
+                  <dgm:adj idx="2" val="0.5"/>
+                </dgm:adjLst>
+              </dgm:shape>
+            </dgm:else>
+          </dgm:choose>
+          <dgm:presOf axis="des" ptType="node"/>
+          <dgm:constrLst/>
+          <dgm:ruleLst/>
+        </dgm:layoutNode>
+        <dgm:layoutNode name="childTextHidden" styleLbl="bgAccFollowNode1">
+          <dgm:choose name="Name9">
+            <dgm:if name="Name10" axis="des followSib" ptType="node node" st="1 1" cnt="1 0" func="cnt" op="gte" val="1">
+              <dgm:alg type="tx">
+                <dgm:param type="stBulletLvl" val="1"/>
+                <dgm:param type="txAnchorVertCh" val="mid"/>
+              </dgm:alg>
+            </dgm:if>
+            <dgm:else name="Name11">
+              <dgm:alg type="tx">
+                <dgm:param type="stBulletLvl" val="2"/>
+                <dgm:param type="txAnchorVertCh" val="mid"/>
+              </dgm:alg>
+            </dgm:else>
+          </dgm:choose>
+          <dgm:choose name="Name12">
+            <dgm:if name="Name13" func="var" arg="dir" op="equ" val="norm">
+              <dgm:shape xmlns:r="http://schemas.openxmlformats.org/officeDocument/2006/relationships" type="rightArrow" r:blip="" hideGeom="1">
+                <dgm:adjLst>
+                  <dgm:adj idx="1" val="0.7"/>
+                  <dgm:adj idx="2" val="0.5"/>
+                </dgm:adjLst>
+              </dgm:shape>
+            </dgm:if>
+            <dgm:else name="Name14">
+              <dgm:shape xmlns:r="http://schemas.openxmlformats.org/officeDocument/2006/relationships" type="leftArrow" r:blip="" hideGeom="1">
+                <dgm:adjLst>
+                  <dgm:adj idx="1" val="0.7"/>
+                  <dgm:adj idx="2" val="0.5"/>
+                </dgm:adjLst>
+              </dgm:shape>
+            </dgm:else>
+          </dgm:choose>
+          <dgm:presOf axis="des" ptType="node"/>
+          <dgm:constrLst>
+            <dgm:constr type="secFontSz" refType="primFontSz"/>
+            <dgm:constr type="tMarg" refType="primFontSz" fact="0.05"/>
+            <dgm:constr type="bMarg" refType="primFontSz" fact="0.05"/>
+            <dgm:constr type="rMarg" refType="primFontSz" fact="0.1"/>
+            <dgm:constr type="lMarg" refType="primFontSz" fact="0.2"/>
+          </dgm:constrLst>
+          <dgm:ruleLst>
+            <dgm:rule type="primFontSz" val="5" fact="NaN" max="NaN"/>
+          </dgm:ruleLst>
+        </dgm:layoutNode>
+        <dgm:layoutNode name="parentText" styleLbl="node1">
+          <dgm:varLst>
+            <dgm:chMax val="1"/>
+            <dgm:bulletEnabled val="1"/>
+          </dgm:varLst>
+          <dgm:alg type="tx"/>
+          <dgm:shape xmlns:r="http://schemas.openxmlformats.org/officeDocument/2006/relationships" type="ellipse" r:blip="">
+            <dgm:adjLst/>
+          </dgm:shape>
+          <dgm:presOf axis="self"/>
+          <dgm:constrLst>
+            <dgm:constr type="primFontSz" val="65"/>
+            <dgm:constr type="tMarg" refType="primFontSz" fact="0.05"/>
+            <dgm:constr type="bMarg" refType="primFontSz" fact="0.05"/>
+            <dgm:constr type="lMarg" refType="primFontSz" fact="0.05"/>
+            <dgm:constr type="rMarg" refType="primFontSz" fact="0.05"/>
+          </dgm:constrLst>
+          <dgm:ruleLst>
+            <dgm:rule type="primFontSz" val="5" fact="NaN" max="NaN"/>
+          </dgm:ruleLst>
+        </dgm:layoutNode>
+      </dgm:layoutNode>
+      <dgm:choose name="Name15">
+        <dgm:if name="Name16" axis="self" ptType="node" func="revPos" op="gte" val="2">
+          <dgm:layoutNode name="aSpace">
+            <dgm:alg type="sp"/>
+            <dgm:shape xmlns:r="http://schemas.openxmlformats.org/officeDocument/2006/relationships" r:blip="">
+              <dgm:adjLst/>
+            </dgm:shape>
+            <dgm:presOf/>
+            <dgm:constrLst/>
+            <dgm:ruleLst/>
+          </dgm:layoutNode>
+        </dgm:if>
+        <dgm:else name="Name17"/>
+      </dgm:choose>
+    </dgm:forEach>
+  </dgm:layoutNode>
+</dgm:layoutDef>
+</file>
+
+<file path=ppt/diagrams/quickStyle1.xml><?xml version="1.0" encoding="utf-8"?>
+<dgm:styleDef xmlns:dgm="http://schemas.openxmlformats.org/drawingml/2006/diagram" xmlns:a="http://schemas.openxmlformats.org/drawingml/2006/main" uniqueId="urn:microsoft.com/office/officeart/2005/8/quickstyle/simple1">
+  <dgm:title val=""/>
+  <dgm:desc val=""/>
+  <dgm:catLst>
+    <dgm:cat type="simple" pri="10100"/>
+  </dgm:catLst>
+  <dgm:scene3d>
+    <a:camera prst="orthographicFront"/>
+    <a:lightRig rig="threePt" dir="t"/>
+  </dgm:scene3d>
+  <dgm:styleLbl name="node0">
+    <dgm:scene3d>
+      <a:camera prst="orthographicFront"/>
+      <a:lightRig rig="threePt" dir="t"/>
+    </dgm:scene3d>
+    <dgm:sp3d/>
+    <dgm:txPr/>
+    <dgm:style>
+      <a:lnRef idx="2">
+        <a:scrgbClr r="0" g="0" b="0"/>
+      </a:lnRef>
+      <a:fillRef idx="1">
+        <a:scrgbClr r="0" g="0" b="0"/>
+      </a:fillRef>
+      <a:effectRef idx="0">
+        <a:scrgbClr r="0" g="0" b="0"/>
+      </a:effectRef>
+      <a:fontRef idx="minor">
+        <a:schemeClr val="lt1"/>
+      </a:fontRef>
+    </dgm:style>
+  </dgm:styleLbl>
+  <dgm:styleLbl name="lnNode1">
+    <dgm:scene3d>
+      <a:camera prst="orthographicFront"/>
+      <a:lightRig rig="threePt" dir="t"/>
+    </dgm:scene3d>
+    <dgm:sp3d/>
+    <dgm:txPr/>
+    <dgm:style>
+      <a:lnRef idx="2">
+        <a:scrgbClr r="0" g="0" b="0"/>
+      </a:lnRef>
+      <a:fillRef idx="1">
+        <a:scrgbClr r="0" g="0" b="0"/>
+      </a:fillRef>
+      <a:effectRef idx="0">
+        <a:scrgbClr r="0" g="0" b="0"/>
+      </a:effectRef>
+      <a:fontRef idx="minor">
+        <a:schemeClr val="lt1"/>
+      </a:fontRef>
+    </dgm:style>
+  </dgm:styleLbl>
+  <dgm:styleLbl name="vennNode1">
+    <dgm:scene3d>
+      <a:camera prst="orthographicFront"/>
+      <a:lightRig rig="threePt" dir="t"/>
+    </dgm:scene3d>
+    <dgm:sp3d/>
+    <dgm:txPr/>
+    <dgm:style>
+      <a:lnRef idx="2">
+        <a:scrgbClr r="0" g="0" b="0"/>
+      </a:lnRef>
+      <a:fillRef idx="1">
+        <a:scrgbClr r="0" g="0" b="0"/>
+      </a:fillRef>
+      <a:effectRef idx="0">
+        <a:scrgbClr r="0" g="0" b="0"/>
+      </a:effectRef>
+      <a:fontRef idx="minor">
+        <a:schemeClr val="tx1"/>
+      </a:fontRef>
+    </dgm:style>
+  </dgm:styleLbl>
+  <dgm:styleLbl name="alignNode1">
+    <dgm:scene3d>
+      <a:camera prst="orthographicFront"/>
+      <a:lightRig rig="threePt" dir="t"/>
+    </dgm:scene3d>
+    <dgm:sp3d/>
+    <dgm:txPr/>
+    <dgm:style>
+      <a:lnRef idx="2">
+        <a:scrgbClr r="0" g="0" b="0"/>
+      </a:lnRef>
+      <a:fillRef idx="1">
+        <a:scrgbClr r="0" g="0" b="0"/>
+      </a:fillRef>
+      <a:effectRef idx="0">
+        <a:scrgbClr r="0" g="0" b="0"/>
+      </a:effectRef>
+      <a:fontRef idx="minor">
+        <a:schemeClr val="lt1"/>
+      </a:fontRef>
+    </dgm:style>
+  </dgm:styleLbl>
+  <dgm:styleLbl name="node1">
+    <dgm:scene3d>
+      <a:camera prst="orthographicFront"/>
+      <a:lightRig rig="threePt" dir="t"/>
+    </dgm:scene3d>
+    <dgm:sp3d/>
+    <dgm:txPr/>
+    <dgm:style>
+      <a:lnRef idx="2">
+        <a:scrgbClr r="0" g="0" b="0"/>
+      </a:lnRef>
+      <a:fillRef idx="1">
+        <a:scrgbClr r="0" g="0" b="0"/>
+      </a:fillRef>
+      <a:effectRef idx="0">
+        <a:scrgbClr r="0" g="0" b="0"/>
+      </a:effectRef>
+      <a:fontRef idx="minor">
+        <a:schemeClr val="lt1"/>
+      </a:fontRef>
+    </dgm:style>
+  </dgm:styleLbl>
+  <dgm:styleLbl name="node2">
+    <dgm:scene3d>
+      <a:camera prst="orthographicFront"/>
+      <a:lightRig rig="threePt" dir="t"/>
+    </dgm:scene3d>
+    <dgm:sp3d/>
+    <dgm:txPr/>
+    <dgm:style>
+      <a:lnRef idx="2">
+        <a:scrgbClr r="0" g="0" b="0"/>
+      </a:lnRef>
+      <a:fillRef idx="1">
+        <a:scrgbClr r="0" g="0" b="0"/>
+      </a:fillRef>
+      <a:effectRef idx="0">
+        <a:scrgbClr r="0" g="0" b="0"/>
+      </a:effectRef>
+      <a:fontRef idx="minor">
+        <a:schemeClr val="lt1"/>
+      </a:fontRef>
+    </dgm:style>
+  </dgm:styleLbl>
+  <dgm:styleLbl name="node3">
+    <dgm:scene3d>
+      <a:camera prst="orthographicFront"/>
+      <a:lightRig rig="threePt" dir="t"/>
+    </dgm:scene3d>
+    <dgm:sp3d/>
+    <dgm:txPr/>
+    <dgm:style>
+      <a:lnRef idx="2">
+        <a:scrgbClr r="0" g="0" b="0"/>
+      </a:lnRef>
+      <a:fillRef idx="1">
+        <a:scrgbClr r="0" g="0" b="0"/>
+      </a:fillRef>
+      <a:effectRef idx="0">
+        <a:scrgbClr r="0" g="0" b="0"/>
+      </a:effectRef>
+      <a:fontRef idx="minor">
+        <a:schemeClr val="lt1"/>
+      </a:fontRef>
+    </dgm:style>
+  </dgm:styleLbl>
+  <dgm:styleLbl name="node4">
+    <dgm:scene3d>
+      <a:camera prst="orthographicFront"/>
+      <a:lightRig rig="threePt" dir="t"/>
+    </dgm:scene3d>
+    <dgm:sp3d/>
+    <dgm:txPr/>
+    <dgm:style>
+      <a:lnRef idx="2">
+        <a:scrgbClr r="0" g="0" b="0"/>
+      </a:lnRef>
+      <a:fillRef idx="1">
+        <a:scrgbClr r="0" g="0" b="0"/>
+      </a:fillRef>
+      <a:effectRef idx="0">
+        <a:scrgbClr r="0" g="0" b="0"/>
+      </a:effectRef>
+      <a:fontRef idx="minor">
+        <a:schemeClr val="lt1"/>
+      </a:fontRef>
+    </dgm:style>
+  </dgm:styleLbl>
+  <dgm:styleLbl name="fgImgPlace1">
+    <dgm:scene3d>
+      <a:camera prst="orthographicFront"/>
+      <a:lightRig rig="threePt" dir="t"/>
+    </dgm:scene3d>
+    <dgm:sp3d/>
+    <dgm:txPr/>
+    <dgm:style>
+      <a:lnRef idx="2">
+        <a:scrgbClr r="0" g="0" b="0"/>
+      </a:lnRef>
+      <a:fillRef idx="1">
+        <a:scrgbClr r="0" g="0" b="0"/>
+      </a:fillRef>
+      <a:effectRef idx="0">
+        <a:scrgbClr r="0" g="0" b="0"/>
+      </a:effectRef>
+      <a:fontRef idx="minor"/>
+    </dgm:style>
+  </dgm:styleLbl>
+  <dgm:styleLbl name="alignImgPlace1">
+    <dgm:scene3d>
+      <a:camera prst="orthographicFront"/>
+      <a:lightRig rig="threePt" dir="t"/>
+    </dgm:scene3d>
+    <dgm:sp3d/>
+    <dgm:txPr/>
+    <dgm:style>
+      <a:lnRef idx="2">
+        <a:scrgbClr r="0" g="0" b="0"/>
+      </a:lnRef>
+      <a:fillRef idx="1">
+        <a:scrgbClr r="0" g="0" b="0"/>
+      </a:fillRef>
+      <a:effectRef idx="0">
+        <a:scrgbClr r="0" g="0" b="0"/>
+      </a:effectRef>
+      <a:fontRef idx="minor"/>
+    </dgm:style>
+  </dgm:styleLbl>
+  <dgm:styleLbl name="bgImgPlace1">
+    <dgm:scene3d>
+      <a:camera prst="orthographicFront"/>
+      <a:lightRig rig="threePt" dir="t"/>
+    </dgm:scene3d>
+    <dgm:sp3d/>
+    <dgm:txPr/>
+    <dgm:style>
+      <a:lnRef idx="2">
+        <a:scrgbClr r="0" g="0" b="0"/>
+      </a:lnRef>
+      <a:fillRef idx="1">
+        <a:scrgbClr r="0" g="0" b="0"/>
+      </a:fillRef>
+      <a:effectRef idx="0">
+        <a:scrgbClr r="0" g="0" b="0"/>
+      </a:effectRef>
+      <a:fontRef idx="minor"/>
+    </dgm:style>
+  </dgm:styleLbl>
+  <dgm:styleLbl name="sibTrans2D1">
+    <dgm:scene3d>
+      <a:camera prst="orthographicFront"/>
+      <a:lightRig rig="threePt" dir="t"/>
+    </dgm:scene3d>
+    <dgm:sp3d/>
+    <dgm:txPr/>
+    <dgm:style>
+      <a:lnRef idx="0">
+        <a:scrgbClr r="0" g="0" b="0"/>
+      </a:lnRef>
+      <a:fillRef idx="1">
+        <a:scrgbClr r="0" g="0" b="0"/>
+      </a:fillRef>
+      <a:effectRef idx="0">
+        <a:scrgbClr r="0" g="0" b="0"/>
+      </a:effectRef>
+      <a:fontRef idx="minor">
+        <a:schemeClr val="lt1"/>
+      </a:fontRef>
+    </dgm:style>
+  </dgm:styleLbl>
+  <dgm:styleLbl name="fgSibTrans2D1">
+    <dgm:scene3d>
+      <a:camera prst="orthographicFront"/>
+      <a:lightRig rig="threePt" dir="t"/>
+    </dgm:scene3d>
+    <dgm:sp3d/>
+    <dgm:txPr/>
+    <dgm:style>
+      <a:lnRef idx="0">
+        <a:scrgbClr r="0" g="0" b="0"/>
+      </a:lnRef>
+      <a:fillRef idx="1">
+        <a:scrgbClr r="0" g="0" b="0"/>
+      </a:fillRef>
+      <a:effectRef idx="0">
+        <a:scrgbClr r="0" g="0" b="0"/>
+      </a:effectRef>
+      <a:fontRef idx="minor">
+        <a:schemeClr val="lt1"/>
+      </a:fontRef>
+    </dgm:style>
+  </dgm:styleLbl>
+  <dgm:styleLbl name="bgSibTrans2D1">
+    <dgm:scene3d>
+      <a:camera prst="orthographicFront"/>
+      <a:lightRig rig="threePt" dir="t"/>
+    </dgm:scene3d>
+    <dgm:sp3d/>
+    <dgm:txPr/>
+    <dgm:style>
+      <a:lnRef idx="0">
+        <a:scrgbClr r="0" g="0" b="0"/>
+      </a:lnRef>
+      <a:fillRef idx="1">
+        <a:scrgbClr r="0" g="0" b="0"/>
+      </a:fillRef>
+      <a:effectRef idx="0">
+        <a:scrgbClr r="0" g="0" b="0"/>
+      </a:effectRef>
+      <a:fontRef idx="minor">
+        <a:schemeClr val="lt1"/>
+      </a:fontRef>
+    </dgm:style>
+  </dgm:styleLbl>
+  <dgm:styleLbl name="sibTrans1D1">
+    <dgm:scene3d>
+      <a:camera prst="orthographicFront"/>
+      <a:lightRig rig="threePt" dir="t"/>
+    </dgm:scene3d>
+    <dgm:sp3d/>
+    <dgm:txPr/>
+    <dgm:style>
+      <a:lnRef idx="1">
+        <a:scrgbClr r="0" g="0" b="0"/>
+      </a:lnRef>
+      <a:fillRef idx="0">
+        <a:scrgbClr r="0" g="0" b="0"/>
+      </a:fillRef>
+      <a:effectRef idx="0">
+        <a:scrgbClr r="0" g="0" b="0"/>
+      </a:effectRef>
+      <a:fontRef idx="minor"/>
+    </dgm:style>
+  </dgm:styleLbl>
+  <dgm:styleLbl name="callout">
+    <dgm:scene3d>
+      <a:camera prst="orthographicFront"/>
+      <a:lightRig rig="threePt" dir="t"/>
+    </dgm:scene3d>
+    <dgm:sp3d/>
+    <dgm:txPr/>
+    <dgm:style>
+      <a:lnRef idx="2">
+        <a:scrgbClr r="0" g="0" b="0"/>
+      </a:lnRef>
+      <a:fillRef idx="1">
+        <a:scrgbClr r="0" g="0" b="0"/>
+      </a:fillRef>
+      <a:effectRef idx="0">
+        <a:scrgbClr r="0" g="0" b="0"/>
+      </a:effectRef>
+      <a:fontRef idx="minor"/>
+    </dgm:style>
+  </dgm:styleLbl>
+  <dgm:styleLbl name="asst0">
+    <dgm:scene3d>
+      <a:camera prst="orthographicFront"/>
+      <a:lightRig rig="threePt" dir="t"/>
+    </dgm:scene3d>
+    <dgm:sp3d/>
+    <dgm:txPr/>
+    <dgm:style>
+      <a:lnRef idx="2">
+        <a:scrgbClr r="0" g="0" b="0"/>
+      </a:lnRef>
+      <a:fillRef idx="1">
+        <a:scrgbClr r="0" g="0" b="0"/>
+      </a:fillRef>
+      <a:effectRef idx="0">
+        <a:scrgbClr r="0" g="0" b="0"/>
+      </a:effectRef>
+      <a:fontRef idx="minor">
+        <a:schemeClr val="lt1"/>
+      </a:fontRef>
+    </dgm:style>
+  </dgm:styleLbl>
+  <dgm:styleLbl name="asst1">
+    <dgm:scene3d>
+      <a:camera prst="orthographicFront"/>
+      <a:lightRig rig="threePt" dir="t"/>
+    </dgm:scene3d>
+    <dgm:sp3d/>
+    <dgm:txPr/>
+    <dgm:style>
+      <a:lnRef idx="2">
+        <a:scrgbClr r="0" g="0" b="0"/>
+      </a:lnRef>
+      <a:fillRef idx="1">
+        <a:scrgbClr r="0" g="0" b="0"/>
+      </a:fillRef>
+      <a:effectRef idx="0">
+        <a:scrgbClr r="0" g="0" b="0"/>
+      </a:effectRef>
+      <a:fontRef idx="minor">
+        <a:schemeClr val="lt1"/>
+      </a:fontRef>
+    </dgm:style>
+  </dgm:styleLbl>
+  <dgm:styleLbl name="asst2">
+    <dgm:scene3d>
+      <a:camera prst="orthographicFront"/>
+      <a:lightRig rig="threePt" dir="t"/>
+    </dgm:scene3d>
+    <dgm:sp3d/>
+    <dgm:txPr/>
+    <dgm:style>
+      <a:lnRef idx="2">
+        <a:scrgbClr r="0" g="0" b="0"/>
+      </a:lnRef>
+      <a:fillRef idx="1">
+        <a:scrgbClr r="0" g="0" b="0"/>
+      </a:fillRef>
+      <a:effectRef idx="0">
+        <a:scrgbClr r="0" g="0" b="0"/>
+      </a:effectRef>
+      <a:fontRef idx="minor">
+        <a:schemeClr val="lt1"/>
+      </a:fontRef>
+    </dgm:style>
+  </dgm:styleLbl>
+  <dgm:styleLbl name="asst3">
+    <dgm:scene3d>
+      <a:camera prst="orthographicFront"/>
+      <a:lightRig rig="threePt" dir="t"/>
+    </dgm:scene3d>
+    <dgm:sp3d/>
+    <dgm:txPr/>
+    <dgm:style>
+      <a:lnRef idx="2">
+        <a:scrgbClr r="0" g="0" b="0"/>
+      </a:lnRef>
+      <a:fillRef idx="1">
+        <a:scrgbClr r="0" g="0" b="0"/>
+      </a:fillRef>
+      <a:effectRef idx="0">
+        <a:scrgbClr r="0" g="0" b="0"/>
+      </a:effectRef>
+      <a:fontRef idx="minor">
+        <a:schemeClr val="lt1"/>
+      </a:fontRef>
+    </dgm:style>
+  </dgm:styleLbl>
+  <dgm:styleLbl name="asst4">
+    <dgm:scene3d>
+      <a:camera prst="orthographicFront"/>
+      <a:lightRig rig="threePt" dir="t"/>
+    </dgm:scene3d>
+    <dgm:sp3d/>
+    <dgm:txPr/>
+    <dgm:style>
+      <a:lnRef idx="2">
+        <a:scrgbClr r="0" g="0" b="0"/>
+      </a:lnRef>
+      <a:fillRef idx="1">
+        <a:scrgbClr r="0" g="0" b="0"/>
+      </a:fillRef>
+      <a:effectRef idx="0">
+        <a:scrgbClr r="0" g="0" b="0"/>
+      </a:effectRef>
+      <a:fontRef idx="minor">
+        <a:schemeClr val="lt1"/>
+      </a:fontRef>
+    </dgm:style>
+  </dgm:styleLbl>
+  <dgm:styleLbl name="parChTrans2D1">
+    <dgm:scene3d>
+      <a:camera prst="orthographicFront"/>
+      <a:lightRig rig="threePt" dir="t"/>
+    </dgm:scene3d>
+    <dgm:sp3d/>
+    <dgm:txPr/>
+    <dgm:style>
+      <a:lnRef idx="2">
+        <a:scrgbClr r="0" g="0" b="0"/>
+      </a:lnRef>
+      <a:fillRef idx="1">
+        <a:scrgbClr r="0" g="0" b="0"/>
+      </a:fillRef>
+      <a:effectRef idx="0">
+        <a:scrgbClr r="0" g="0" b="0"/>
+      </a:effectRef>
+      <a:fontRef idx="minor">
+        <a:schemeClr val="lt1"/>
+      </a:fontRef>
+    </dgm:style>
+  </dgm:styleLbl>
+  <dgm:styleLbl name="parChTrans2D2">
+    <dgm:scene3d>
+      <a:camera prst="orthographicFront"/>
+      <a:lightRig rig="threePt" dir="t"/>
+    </dgm:scene3d>
+    <dgm:sp3d/>
+    <dgm:txPr/>
+    <dgm:style>
+      <a:lnRef idx="2">
+        <a:scrgbClr r="0" g="0" b="0"/>
+      </a:lnRef>
+      <a:fillRef idx="1">
+        <a:scrgbClr r="0" g="0" b="0"/>
+      </a:fillRef>
+      <a:effectRef idx="0">
+        <a:scrgbClr r="0" g="0" b="0"/>
+      </a:effectRef>
+      <a:fontRef idx="minor">
+        <a:schemeClr val="lt1"/>
+      </a:fontRef>
+    </dgm:style>
+  </dgm:styleLbl>
+  <dgm:styleLbl name="parChTrans2D3">
+    <dgm:scene3d>
+      <a:camera prst="orthographicFront"/>
+      <a:lightRig rig="threePt" dir="t"/>
+    </dgm:scene3d>
+    <dgm:sp3d/>
+    <dgm:txPr/>
+    <dgm:style>
+      <a:lnRef idx="2">
+        <a:scrgbClr r="0" g="0" b="0"/>
+      </a:lnRef>
+      <a:fillRef idx="1">
+        <a:scrgbClr r="0" g="0" b="0"/>
+      </a:fillRef>
+      <a:effectRef idx="0">
+        <a:scrgbClr r="0" g="0" b="0"/>
+      </a:effectRef>
+      <a:fontRef idx="minor">
+        <a:schemeClr val="lt1"/>
+      </a:fontRef>
+    </dgm:style>
+  </dgm:styleLbl>
+  <dgm:styleLbl name="parChTrans2D4">
+    <dgm:scene3d>
+      <a:camera prst="orthographicFront"/>
+      <a:lightRig rig="threePt" dir="t"/>
+    </dgm:scene3d>
+    <dgm:sp3d/>
+    <dgm:txPr/>
+    <dgm:style>
+      <a:lnRef idx="2">
+        <a:scrgbClr r="0" g="0" b="0"/>
+      </a:lnRef>
+      <a:fillRef idx="1">
+        <a:scrgbClr r="0" g="0" b="0"/>
+      </a:fillRef>
+      <a:effectRef idx="0">
+        <a:scrgbClr r="0" g="0" b="0"/>
+      </a:effectRef>
+      <a:fontRef idx="minor">
+        <a:schemeClr val="lt1"/>
+      </a:fontRef>
+    </dgm:style>
+  </dgm:styleLbl>
+  <dgm:styleLbl name="parChTrans1D1">
+    <dgm:scene3d>
+      <a:camera prst="orthographicFront"/>
+      <a:lightRig rig="threePt" dir="t"/>
+    </dgm:scene3d>
+    <dgm:sp3d/>
+    <dgm:txPr/>
+    <dgm:style>
+      <a:lnRef idx="2">
+        <a:scrgbClr r="0" g="0" b="0"/>
+      </a:lnRef>
+      <a:fillRef idx="0">
+        <a:scrgbClr r="0" g="0" b="0"/>
+      </a:fillRef>
+      <a:effectRef idx="0">
+        <a:scrgbClr r="0" g="0" b="0"/>
+      </a:effectRef>
+      <a:fontRef idx="minor"/>
+    </dgm:style>
+  </dgm:styleLbl>
+  <dgm:styleLbl name="parChTrans1D2">
+    <dgm:scene3d>
+      <a:camera prst="orthographicFront"/>
+      <a:lightRig rig="threePt" dir="t"/>
+    </dgm:scene3d>
+    <dgm:sp3d/>
+    <dgm:txPr/>
+    <dgm:style>
+      <a:lnRef idx="2">
+        <a:scrgbClr r="0" g="0" b="0"/>
+      </a:lnRef>
+      <a:fillRef idx="0">
+        <a:scrgbClr r="0" g="0" b="0"/>
+      </a:fillRef>
+      <a:effectRef idx="0">
+        <a:scrgbClr r="0" g="0" b="0"/>
+      </a:effectRef>
+      <a:fontRef idx="minor"/>
+    </dgm:style>
+  </dgm:styleLbl>
+  <dgm:styleLbl name="parChTrans1D3">
+    <dgm:scene3d>
+      <a:camera prst="orthographicFront"/>
+      <a:lightRig rig="threePt" dir="t"/>
+    </dgm:scene3d>
+    <dgm:sp3d/>
+    <dgm:txPr/>
+    <dgm:style>
+      <a:lnRef idx="2">
+        <a:scrgbClr r="0" g="0" b="0"/>
+      </a:lnRef>
+      <a:fillRef idx="0">
+        <a:scrgbClr r="0" g="0" b="0"/>
+      </a:fillRef>
+      <a:effectRef idx="0">
+        <a:scrgbClr r="0" g="0" b="0"/>
+      </a:effectRef>
+      <a:fontRef idx="minor"/>
+    </dgm:style>
+  </dgm:styleLbl>
+  <dgm:styleLbl name="parChTrans1D4">
+    <dgm:scene3d>
+      <a:camera prst="orthographicFront"/>
+      <a:lightRig rig="threePt" dir="t"/>
+    </dgm:scene3d>
+    <dgm:sp3d/>
+    <dgm:txPr/>
+    <dgm:style>
+      <a:lnRef idx="2">
+        <a:scrgbClr r="0" g="0" b="0"/>
+      </a:lnRef>
+      <a:fillRef idx="0">
+        <a:scrgbClr r="0" g="0" b="0"/>
+      </a:fillRef>
+      <a:effectRef idx="0">
+        <a:scrgbClr r="0" g="0" b="0"/>
+      </a:effectRef>
+      <a:fontRef idx="minor"/>
+    </dgm:style>
+  </dgm:styleLbl>
+  <dgm:styleLbl name="fgAcc1">
+    <dgm:scene3d>
+      <a:camera prst="orthographicFront"/>
+      <a:lightRig rig="threePt" dir="t"/>
+    </dgm:scene3d>
+    <dgm:sp3d/>
+    <dgm:txPr/>
+    <dgm:style>
+      <a:lnRef idx="2">
+        <a:scrgbClr r="0" g="0" b="0"/>
+      </a:lnRef>
+      <a:fillRef idx="1">
+        <a:scrgbClr r="0" g="0" b="0"/>
+      </a:fillRef>
+      <a:effectRef idx="0">
+        <a:scrgbClr r="0" g="0" b="0"/>
+      </a:effectRef>
+      <a:fontRef idx="minor"/>
+    </dgm:style>
+  </dgm:styleLbl>
+  <dgm:styleLbl name="conFgAcc1">
+    <dgm:scene3d>
+      <a:camera prst="orthographicFront"/>
+      <a:lightRig rig="threePt" dir="t"/>
+    </dgm:scene3d>
+    <dgm:sp3d/>
+    <dgm:txPr/>
+    <dgm:style>
+      <a:lnRef idx="2">
+        <a:scrgbClr r="0" g="0" b="0"/>
+      </a:lnRef>
+      <a:fillRef idx="1">
+        <a:scrgbClr r="0" g="0" b="0"/>
+      </a:fillRef>
+      <a:effectRef idx="0">
+        <a:scrgbClr r="0" g="0" b="0"/>
+      </a:effectRef>
+      <a:fontRef idx="minor"/>
+    </dgm:style>
+  </dgm:styleLbl>
+  <dgm:styleLbl name="alignAcc1">
+    <dgm:scene3d>
+      <a:camera prst="orthographicFront"/>
+      <a:lightRig rig="threePt" dir="t"/>
+    </dgm:scene3d>
+    <dgm:sp3d/>
+    <dgm:txPr/>
+    <dgm:style>
+      <a:lnRef idx="2">
+        <a:scrgbClr r="0" g="0" b="0"/>
+      </a:lnRef>
+      <a:fillRef idx="1">
+        <a:scrgbClr r="0" g="0" b="0"/>
+      </a:fillRef>
+      <a:effectRef idx="0">
+        <a:scrgbClr r="0" g="0" b="0"/>
+      </a:effectRef>
+      <a:fontRef idx="minor"/>
+    </dgm:style>
+  </dgm:styleLbl>
+  <dgm:styleLbl name="trAlignAcc1">
+    <dgm:scene3d>
+      <a:camera prst="orthographicFront"/>
+      <a:lightRig rig="threePt" dir="t"/>
+    </dgm:scene3d>
+    <dgm:sp3d/>
+    <dgm:txPr/>
+    <dgm:style>
+      <a:lnRef idx="1">
+        <a:scrgbClr r="0" g="0" b="0"/>
+      </a:lnRef>
+      <a:fillRef idx="1">
+        <a:scrgbClr r="0" g="0" b="0"/>
+      </a:fillRef>
+      <a:effectRef idx="0">
+        <a:scrgbClr r="0" g="0" b="0"/>
+      </a:effectRef>
+      <a:fontRef idx="minor"/>
+    </dgm:style>
+  </dgm:styleLbl>
+  <dgm:styleLbl name="bgAcc1">
+    <dgm:scene3d>
+      <a:camera prst="orthographicFront"/>
+      <a:lightRig rig="threePt" dir="t"/>
+    </dgm:scene3d>
+    <dgm:sp3d/>
+    <dgm:txPr/>
+    <dgm:style>
+      <a:lnRef idx="2">
+        <a:scrgbClr r="0" g="0" b="0"/>
+      </a:lnRef>
+      <a:fillRef idx="1">
+        <a:scrgbClr r="0" g="0" b="0"/>
+      </a:fillRef>
+      <a:effectRef idx="0">
+        <a:scrgbClr r="0" g="0" b="0"/>
+      </a:effectRef>
+      <a:fontRef idx="minor"/>
+    </dgm:style>
+  </dgm:styleLbl>
+  <dgm:styleLbl name="solidFgAcc1">
+    <dgm:scene3d>
+      <a:camera prst="orthographicFront"/>
+      <a:lightRig rig="threePt" dir="t"/>
+    </dgm:scene3d>
+    <dgm:sp3d/>
+    <dgm:txPr/>
+    <dgm:style>
+      <a:lnRef idx="2">
+        <a:scrgbClr r="0" g="0" b="0"/>
+      </a:lnRef>
+      <a:fillRef idx="1">
+        <a:scrgbClr r="0" g="0" b="0"/>
+      </a:fillRef>
+      <a:effectRef idx="0">
+        <a:scrgbClr r="0" g="0" b="0"/>
+      </a:effectRef>
+      <a:fontRef idx="minor"/>
+    </dgm:style>
+  </dgm:styleLbl>
+  <dgm:styleLbl name="solidAlignAcc1">
+    <dgm:scene3d>
+      <a:camera prst="orthographicFront"/>
+      <a:lightRig rig="threePt" dir="t"/>
+    </dgm:scene3d>
+    <dgm:sp3d/>
+    <dgm:txPr/>
+    <dgm:style>
+      <a:lnRef idx="2">
+        <a:scrgbClr r="0" g="0" b="0"/>
+      </a:lnRef>
+      <a:fillRef idx="1">
+        <a:scrgbClr r="0" g="0" b="0"/>
+      </a:fillRef>
+      <a:effectRef idx="0">
+        <a:scrgbClr r="0" g="0" b="0"/>
+      </a:effectRef>
+      <a:fontRef idx="minor"/>
+    </dgm:style>
+  </dgm:styleLbl>
+  <dgm:styleLbl name="solidBgAcc1">
+    <dgm:scene3d>
+      <a:camera prst="orthographicFront"/>
+      <a:lightRig rig="threePt" dir="t"/>
+    </dgm:scene3d>
+    <dgm:sp3d/>
+    <dgm:txPr/>
+    <dgm:style>
+      <a:lnRef idx="2">
+        <a:scrgbClr r="0" g="0" b="0"/>
+      </a:lnRef>
+      <a:fillRef idx="1">
+        <a:scrgbClr r="0" g="0" b="0"/>
+      </a:fillRef>
+      <a:effectRef idx="0">
+        <a:scrgbClr r="0" g="0" b="0"/>
+      </a:effectRef>
+      <a:fontRef idx="minor"/>
+    </dgm:style>
+  </dgm:styleLbl>
+  <dgm:styleLbl name="fgAccFollowNode1">
+    <dgm:scene3d>
+      <a:camera prst="orthographicFront"/>
+      <a:lightRig rig="threePt" dir="t"/>
+    </dgm:scene3d>
+    <dgm:sp3d/>
+    <dgm:txPr/>
+    <dgm:style>
+      <a:lnRef idx="2">
+        <a:scrgbClr r="0" g="0" b="0"/>
+      </a:lnRef>
+      <a:fillRef idx="1">
+        <a:scrgbClr r="0" g="0" b="0"/>
+      </a:fillRef>
+      <a:effectRef idx="0">
+        <a:scrgbClr r="0" g="0" b="0"/>
+      </a:effectRef>
+      <a:fontRef idx="minor"/>
+    </dgm:style>
+  </dgm:styleLbl>
+  <dgm:styleLbl name="alignAccFollowNode1">
+    <dgm:scene3d>
+      <a:camera prst="orthographicFront"/>
+      <a:lightRig rig="threePt" dir="t"/>
+    </dgm:scene3d>
+    <dgm:sp3d/>
+    <dgm:txPr/>
+    <dgm:style>
+      <a:lnRef idx="2">
+        <a:scrgbClr r="0" g="0" b="0"/>
+      </a:lnRef>
+      <a:fillRef idx="1">
+        <a:scrgbClr r="0" g="0" b="0"/>
+      </a:fillRef>
+      <a:effectRef idx="0">
+        <a:scrgbClr r="0" g="0" b="0"/>
+      </a:effectRef>
+      <a:fontRef idx="minor"/>
+    </dgm:style>
+  </dgm:styleLbl>
+  <dgm:styleLbl name="bgAccFollowNode1">
+    <dgm:scene3d>
+      <a:camera prst="orthographicFront"/>
+      <a:lightRig rig="threePt" dir="t"/>
+    </dgm:scene3d>
+    <dgm:sp3d/>
+    <dgm:txPr/>
+    <dgm:style>
+      <a:lnRef idx="2">
+        <a:scrgbClr r="0" g="0" b="0"/>
+      </a:lnRef>
+      <a:fillRef idx="1">
+        <a:scrgbClr r="0" g="0" b="0"/>
+      </a:fillRef>
+      <a:effectRef idx="0">
+        <a:scrgbClr r="0" g="0" b="0"/>
+      </a:effectRef>
+      <a:fontRef idx="minor"/>
+    </dgm:style>
+  </dgm:styleLbl>
+  <dgm:styleLbl name="fgAcc0">
+    <dgm:scene3d>
+      <a:camera prst="orthographicFront"/>
+      <a:lightRig rig="threePt" dir="t"/>
+    </dgm:scene3d>
+    <dgm:sp3d/>
+    <dgm:txPr/>
+    <dgm:style>
+      <a:lnRef idx="2">
+        <a:scrgbClr r="0" g="0" b="0"/>
+      </a:lnRef>
+      <a:fillRef idx="1">
+        <a:scrgbClr r="0" g="0" b="0"/>
+      </a:fillRef>
+      <a:effectRef idx="0">
+        <a:scrgbClr r="0" g="0" b="0"/>
+      </a:effectRef>
+      <a:fontRef idx="minor"/>
+    </dgm:style>
+  </dgm:styleLbl>
+  <dgm:styleLbl name="fgAcc2">
+    <dgm:scene3d>
+      <a:camera prst="orthographicFront"/>
+      <a:lightRig rig="threePt" dir="t"/>
+    </dgm:scene3d>
+    <dgm:sp3d/>
+    <dgm:txPr/>
+    <dgm:style>
+      <a:lnRef idx="2">
+        <a:scrgbClr r="0" g="0" b="0"/>
+      </a:lnRef>
+      <a:fillRef idx="1">
+        <a:scrgbClr r="0" g="0" b="0"/>
+      </a:fillRef>
+      <a:effectRef idx="0">
+        <a:scrgbClr r="0" g="0" b="0"/>
+      </a:effectRef>
+      <a:fontRef idx="minor"/>
+    </dgm:style>
+  </dgm:styleLbl>
+  <dgm:styleLbl name="fgAcc3">
+    <dgm:scene3d>
+      <a:camera prst="orthographicFront"/>
+      <a:lightRig rig="threePt" dir="t"/>
+    </dgm:scene3d>
+    <dgm:sp3d/>
+    <dgm:txPr/>
+    <dgm:style>
+      <a:lnRef idx="2">
+        <a:scrgbClr r="0" g="0" b="0"/>
+      </a:lnRef>
+      <a:fillRef idx="1">
+        <a:scrgbClr r="0" g="0" b="0"/>
+      </a:fillRef>
+      <a:effectRef idx="0">
+        <a:scrgbClr r="0" g="0" b="0"/>
+      </a:effectRef>
+      <a:fontRef idx="minor"/>
+    </dgm:style>
+  </dgm:styleLbl>
+  <dgm:styleLbl name="fgAcc4">
+    <dgm:scene3d>
+      <a:camera prst="orthographicFront"/>
+      <a:lightRig rig="threePt" dir="t"/>
+    </dgm:scene3d>
+    <dgm:sp3d/>
+    <dgm:txPr/>
+    <dgm:style>
+      <a:lnRef idx="2">
+        <a:scrgbClr r="0" g="0" b="0"/>
+      </a:lnRef>
+      <a:fillRef idx="1">
+        <a:scrgbClr r="0" g="0" b="0"/>
+      </a:fillRef>
+      <a:effectRef idx="0">
+        <a:scrgbClr r="0" g="0" b="0"/>
+      </a:effectRef>
+      <a:fontRef idx="minor"/>
+    </dgm:style>
+  </dgm:styleLbl>
+  <dgm:styleLbl name="bgShp">
+    <dgm:scene3d>
+      <a:camera prst="orthographicFront"/>
+      <a:lightRig rig="threePt" dir="t"/>
+    </dgm:scene3d>
+    <dgm:sp3d/>
+    <dgm:txPr/>
+    <dgm:style>
+      <a:lnRef idx="0">
+        <a:scrgbClr r="0" g="0" b="0"/>
+      </a:lnRef>
+      <a:fillRef idx="1">
+        <a:scrgbClr r="0" g="0" b="0"/>
+      </a:fillRef>
+      <a:effectRef idx="0">
+        <a:scrgbClr r="0" g="0" b="0"/>
+      </a:effectRef>
+      <a:fontRef idx="minor"/>
+    </dgm:style>
+  </dgm:styleLbl>
+  <dgm:styleLbl name="dkBgShp">
+    <dgm:scene3d>
+      <a:camera prst="orthographicFront"/>
+      <a:lightRig rig="threePt" dir="t"/>
+    </dgm:scene3d>
+    <dgm:sp3d/>
+    <dgm:txPr/>
+    <dgm:style>
+      <a:lnRef idx="0">
+        <a:scrgbClr r="0" g="0" b="0"/>
+      </a:lnRef>
+      <a:fillRef idx="1">
+        <a:scrgbClr r="0" g="0" b="0"/>
+      </a:fillRef>
+      <a:effectRef idx="0">
+        <a:scrgbClr r="0" g="0" b="0"/>
+      </a:effectRef>
+      <a:fontRef idx="minor"/>
+    </dgm:style>
+  </dgm:styleLbl>
+  <dgm:styleLbl name="trBgShp">
+    <dgm:scene3d>
+      <a:camera prst="orthographicFront"/>
+      <a:lightRig rig="threePt" dir="t"/>
+    </dgm:scene3d>
+    <dgm:sp3d/>
+    <dgm:txPr/>
+    <dgm:style>
+      <a:lnRef idx="0">
+        <a:scrgbClr r="0" g="0" b="0"/>
+      </a:lnRef>
+      <a:fillRef idx="1">
+        <a:scrgbClr r="0" g="0" b="0"/>
+      </a:fillRef>
+      <a:effectRef idx="0">
+        <a:scrgbClr r="0" g="0" b="0"/>
+      </a:effectRef>
+      <a:fontRef idx="minor"/>
+    </dgm:style>
+  </dgm:styleLbl>
+  <dgm:styleLbl name="fgShp">
+    <dgm:scene3d>
+      <a:camera prst="orthographicFront"/>
+      <a:lightRig rig="threePt" dir="t"/>
+    </dgm:scene3d>
+    <dgm:sp3d/>
+    <dgm:txPr/>
+    <dgm:style>
+      <a:lnRef idx="2">
+        <a:scrgbClr r="0" g="0" b="0"/>
+      </a:lnRef>
+      <a:fillRef idx="1">
+        <a:scrgbClr r="0" g="0" b="0"/>
+      </a:fillRef>
+      <a:effectRef idx="0">
+        <a:scrgbClr r="0" g="0" b="0"/>
+      </a:effectRef>
+      <a:fontRef idx="minor"/>
+    </dgm:style>
+  </dgm:styleLbl>
+  <dgm:styleLbl name="revTx">
+    <dgm:scene3d>
+      <a:camera prst="orthographicFront"/>
+      <a:lightRig rig="threePt" dir="t"/>
+    </dgm:scene3d>
+    <dgm:sp3d/>
+    <dgm:txPr/>
+    <dgm:style>
+      <a:lnRef idx="0">
+        <a:scrgbClr r="0" g="0" b="0"/>
+      </a:lnRef>
+      <a:fillRef idx="0">
+        <a:scrgbClr r="0" g="0" b="0"/>
+      </a:fillRef>
+      <a:effectRef idx="0">
+        <a:scrgbClr r="0" g="0" b="0"/>
+      </a:effectRef>
+      <a:fontRef idx="minor"/>
+    </dgm:style>
+  </dgm:styleLbl>
+</dgm:styleDef>
 </file>
 
 <file path=ppt/slideLayouts/slideLayout1.xml><?xml version="1.0" encoding="utf-8"?>
@@ -3478,6 +6864,148 @@
 </p:sld>
 </file>
 
+<file path=ppt/slides/slide2.xml><?xml version="1.0" encoding="utf-8"?>
+<p:sld xmlns:a="http://schemas.openxmlformats.org/drawingml/2006/main" xmlns:r="http://schemas.openxmlformats.org/officeDocument/2006/relationships" xmlns:p="http://schemas.openxmlformats.org/presentationml/2006/main">
+  <p:cSld>
+    <p:spTree>
+      <p:nvGrpSpPr>
+        <p:cNvPr id="1" name=""/>
+        <p:cNvGrpSpPr/>
+        <p:nvPr/>
+      </p:nvGrpSpPr>
+      <p:grpSpPr>
+        <a:xfrm>
+          <a:off x="0" y="0"/>
+          <a:ext cx="0" cy="0"/>
+          <a:chOff x="0" y="0"/>
+          <a:chExt cx="0" cy="0"/>
+        </a:xfrm>
+      </p:grpSpPr>
+      <p:sp>
+        <p:nvSpPr>
+          <p:cNvPr id="2" name="TextBox 1">
+            <a:extLst>
+              <a:ext uri="{FF2B5EF4-FFF2-40B4-BE49-F238E27FC236}">
+                <a16:creationId xmlns:a16="http://schemas.microsoft.com/office/drawing/2014/main" id="{79014CAD-B8F0-C839-91CE-9F9BAF230CE2}"/>
+              </a:ext>
+            </a:extLst>
+          </p:cNvPr>
+          <p:cNvSpPr txBox="1"/>
+          <p:nvPr/>
+        </p:nvSpPr>
+        <p:spPr>
+          <a:xfrm>
+            <a:off x="4236440" y="285226"/>
+            <a:ext cx="3582006" cy="646331"/>
+          </a:xfrm>
+          <a:prstGeom prst="rect">
+            <a:avLst/>
+          </a:prstGeom>
+          <a:noFill/>
+        </p:spPr>
+        <p:txBody>
+          <a:bodyPr wrap="none" rtlCol="0">
+            <a:spAutoFit/>
+          </a:bodyPr>
+          <a:lstStyle/>
+          <a:p>
+            <a:r>
+              <a:rPr lang="en-US" sz="3600" b="1" dirty="0"/>
+              <a:t>Koop ETL Pipeline</a:t>
+            </a:r>
+          </a:p>
+        </p:txBody>
+      </p:sp>
+      <p:graphicFrame>
+        <p:nvGraphicFramePr>
+          <p:cNvPr id="4" name="Diagram 3">
+            <a:extLst>
+              <a:ext uri="{FF2B5EF4-FFF2-40B4-BE49-F238E27FC236}">
+                <a16:creationId xmlns:a16="http://schemas.microsoft.com/office/drawing/2014/main" id="{E56CD1C5-BB19-A95E-EF9B-13768E95E1B8}"/>
+              </a:ext>
+            </a:extLst>
+          </p:cNvPr>
+          <p:cNvGraphicFramePr/>
+          <p:nvPr>
+            <p:extLst>
+              <p:ext uri="{D42A27DB-BD31-4B8C-83A1-F6EECF244321}">
+                <p14:modId xmlns:p14="http://schemas.microsoft.com/office/powerpoint/2010/main" val="3263114341"/>
+              </p:ext>
+            </p:extLst>
+          </p:nvPr>
+        </p:nvGraphicFramePr>
+        <p:xfrm>
+          <a:off x="1192955" y="931557"/>
+          <a:ext cx="7690986" cy="2191528"/>
+        </p:xfrm>
+        <a:graphic>
+          <a:graphicData uri="http://schemas.openxmlformats.org/drawingml/2006/diagram">
+            <dgm:relIds xmlns:dgm="http://schemas.openxmlformats.org/drawingml/2006/diagram" xmlns:r="http://schemas.openxmlformats.org/officeDocument/2006/relationships" r:dm="rId2" r:lo="rId3" r:qs="rId4" r:cs="rId5"/>
+          </a:graphicData>
+        </a:graphic>
+      </p:graphicFrame>
+      <p:sp>
+        <p:nvSpPr>
+          <p:cNvPr id="5" name="TextBox 4">
+            <a:extLst>
+              <a:ext uri="{FF2B5EF4-FFF2-40B4-BE49-F238E27FC236}">
+                <a16:creationId xmlns:a16="http://schemas.microsoft.com/office/drawing/2014/main" id="{0346C011-1817-F534-60A8-5C1EFA5C8CC1}"/>
+              </a:ext>
+            </a:extLst>
+          </p:cNvPr>
+          <p:cNvSpPr txBox="1"/>
+          <p:nvPr/>
+        </p:nvSpPr>
+        <p:spPr>
+          <a:xfrm>
+            <a:off x="9144000" y="1704155"/>
+            <a:ext cx="1451295" cy="646331"/>
+          </a:xfrm>
+          <a:prstGeom prst="rect">
+            <a:avLst/>
+          </a:prstGeom>
+        </p:spPr>
+        <p:style>
+          <a:lnRef idx="1">
+            <a:schemeClr val="accent4"/>
+          </a:lnRef>
+          <a:fillRef idx="2">
+            <a:schemeClr val="accent4"/>
+          </a:fillRef>
+          <a:effectRef idx="1">
+            <a:schemeClr val="accent4"/>
+          </a:effectRef>
+          <a:fontRef idx="minor">
+            <a:schemeClr val="dk1"/>
+          </a:fontRef>
+        </p:style>
+        <p:txBody>
+          <a:bodyPr wrap="square" rtlCol="0">
+            <a:spAutoFit/>
+          </a:bodyPr>
+          <a:lstStyle/>
+          <a:p>
+            <a:pPr algn="ctr"/>
+            <a:r>
+              <a:rPr lang="en-US" dirty="0"/>
+              <a:t>Interoperable Systems</a:t>
+            </a:r>
+          </a:p>
+        </p:txBody>
+      </p:sp>
+    </p:spTree>
+    <p:extLst>
+      <p:ext uri="{BB962C8B-B14F-4D97-AF65-F5344CB8AC3E}">
+        <p14:creationId xmlns:p14="http://schemas.microsoft.com/office/powerpoint/2010/main" val="425019430"/>
+      </p:ext>
+    </p:extLst>
+  </p:cSld>
+  <p:clrMapOvr>
+    <a:masterClrMapping/>
+  </p:clrMapOvr>
+</p:sld>
+</file>
+
 <file path=ppt/theme/theme1.xml><?xml version="1.0" encoding="utf-8"?>
 <a:theme xmlns:a="http://schemas.openxmlformats.org/drawingml/2006/main" name="Office Theme">
   <a:themeElements>
